--- a/Week6/BESD Week 6.pptx
+++ b/Week6/BESD Week 6.pptx
@@ -119,16 +119,1153 @@
 </p:presentation>
 </file>
 
-<file path=ppt/revisionInfo.xml><?xml version="1.0" encoding="utf-8"?>
-<p1510:revInfo xmlns:a="http://schemas.openxmlformats.org/drawingml/2006/main" xmlns:r="http://schemas.openxmlformats.org/officeDocument/2006/relationships" xmlns:p1510="http://schemas.microsoft.com/office/powerpoint/2015/10/main">
-  <p1510:revLst>
-    <p1510:client id="{37C172F0-1901-4A15-8AEE-DBE5FBC11EEA}" v="5" dt="2023-04-10T02:11:10.212"/>
-  </p1510:revLst>
-</p1510:revInfo>
-</file>
-
 <file path=ppt/changesInfos/changesInfo1.xml><?xml version="1.0" encoding="utf-8"?>
 <pc:chgInfo xmlns:a="http://schemas.openxmlformats.org/drawingml/2006/main" xmlns:r="http://schemas.openxmlformats.org/officeDocument/2006/relationships" xmlns:ac="http://schemas.microsoft.com/office/drawing/2013/main/command" xmlns:pc="http://schemas.microsoft.com/office/powerpoint/2013/main/command">
+  <pc:docChgLst>
+    <pc:chgData name="Chuck Kiefriter" userId="c57348f7-b440-4861-a58f-c89f414ea74a" providerId="ADAL" clId="{C11307D8-F416-4216-B85A-47312E9494DC}"/>
+    <pc:docChg chg="undo custSel addSld delSld modSld sldOrd">
+      <pc:chgData name="Chuck Kiefriter" userId="c57348f7-b440-4861-a58f-c89f414ea74a" providerId="ADAL" clId="{C11307D8-F416-4216-B85A-47312E9494DC}" dt="2023-04-05T01:39:50.392" v="1445" actId="1076"/>
+      <pc:docMkLst>
+        <pc:docMk/>
+      </pc:docMkLst>
+      <pc:sldChg chg="delSp modSp mod">
+        <pc:chgData name="Chuck Kiefriter" userId="c57348f7-b440-4861-a58f-c89f414ea74a" providerId="ADAL" clId="{C11307D8-F416-4216-B85A-47312E9494DC}" dt="2023-04-04T22:40:58.023" v="1441" actId="20577"/>
+        <pc:sldMkLst>
+          <pc:docMk/>
+          <pc:sldMk cId="3995279466" sldId="256"/>
+        </pc:sldMkLst>
+        <pc:spChg chg="mod">
+          <ac:chgData name="Chuck Kiefriter" userId="c57348f7-b440-4861-a58f-c89f414ea74a" providerId="ADAL" clId="{C11307D8-F416-4216-B85A-47312E9494DC}" dt="2023-04-02T22:19:13.359" v="199" actId="14100"/>
+          <ac:spMkLst>
+            <pc:docMk/>
+            <pc:sldMk cId="3995279466" sldId="256"/>
+            <ac:spMk id="6" creationId="{DE3DBA5A-FA8E-46C6-1402-E5C7632F4CAD}"/>
+          </ac:spMkLst>
+        </pc:spChg>
+        <pc:spChg chg="mod">
+          <ac:chgData name="Chuck Kiefriter" userId="c57348f7-b440-4861-a58f-c89f414ea74a" providerId="ADAL" clId="{C11307D8-F416-4216-B85A-47312E9494DC}" dt="2023-04-04T22:40:58.023" v="1441" actId="20577"/>
+          <ac:spMkLst>
+            <pc:docMk/>
+            <pc:sldMk cId="3995279466" sldId="256"/>
+            <ac:spMk id="10" creationId="{EA3D5ED0-1762-C438-DD7C-B32C5582A339}"/>
+          </ac:spMkLst>
+        </pc:spChg>
+        <pc:spChg chg="del">
+          <ac:chgData name="Chuck Kiefriter" userId="c57348f7-b440-4861-a58f-c89f414ea74a" providerId="ADAL" clId="{C11307D8-F416-4216-B85A-47312E9494DC}" dt="2023-04-02T22:23:05.499" v="213" actId="478"/>
+          <ac:spMkLst>
+            <pc:docMk/>
+            <pc:sldMk cId="3995279466" sldId="256"/>
+            <ac:spMk id="11" creationId="{8C44B216-C75C-0589-1A08-E1736DCD43C5}"/>
+          </ac:spMkLst>
+        </pc:spChg>
+        <pc:picChg chg="del">
+          <ac:chgData name="Chuck Kiefriter" userId="c57348f7-b440-4861-a58f-c89f414ea74a" providerId="ADAL" clId="{C11307D8-F416-4216-B85A-47312E9494DC}" dt="2023-04-02T22:19:15.896" v="200" actId="478"/>
+          <ac:picMkLst>
+            <pc:docMk/>
+            <pc:sldMk cId="3995279466" sldId="256"/>
+            <ac:picMk id="5" creationId="{C730C03D-0D57-7578-992D-93F2E9FFBCB8}"/>
+          </ac:picMkLst>
+        </pc:picChg>
+      </pc:sldChg>
+      <pc:sldChg chg="modSp mod">
+        <pc:chgData name="Chuck Kiefriter" userId="c57348f7-b440-4861-a58f-c89f414ea74a" providerId="ADAL" clId="{C11307D8-F416-4216-B85A-47312E9494DC}" dt="2023-04-02T22:18:27.703" v="153" actId="20577"/>
+        <pc:sldMkLst>
+          <pc:docMk/>
+          <pc:sldMk cId="3194223319" sldId="263"/>
+        </pc:sldMkLst>
+        <pc:spChg chg="mod">
+          <ac:chgData name="Chuck Kiefriter" userId="c57348f7-b440-4861-a58f-c89f414ea74a" providerId="ADAL" clId="{C11307D8-F416-4216-B85A-47312E9494DC}" dt="2023-04-02T22:18:27.703" v="153" actId="20577"/>
+          <ac:spMkLst>
+            <pc:docMk/>
+            <pc:sldMk cId="3194223319" sldId="263"/>
+            <ac:spMk id="3" creationId="{23DFC7E9-54DD-38D7-0B9B-D34948D68CF9}"/>
+          </ac:spMkLst>
+        </pc:spChg>
+      </pc:sldChg>
+      <pc:sldChg chg="modSp mod">
+        <pc:chgData name="Chuck Kiefriter" userId="c57348f7-b440-4861-a58f-c89f414ea74a" providerId="ADAL" clId="{C11307D8-F416-4216-B85A-47312E9494DC}" dt="2023-04-02T22:18:46.219" v="157" actId="14100"/>
+        <pc:sldMkLst>
+          <pc:docMk/>
+          <pc:sldMk cId="763182894" sldId="264"/>
+        </pc:sldMkLst>
+        <pc:spChg chg="mod">
+          <ac:chgData name="Chuck Kiefriter" userId="c57348f7-b440-4861-a58f-c89f414ea74a" providerId="ADAL" clId="{C11307D8-F416-4216-B85A-47312E9494DC}" dt="2023-04-02T22:18:46.219" v="157" actId="14100"/>
+          <ac:spMkLst>
+            <pc:docMk/>
+            <pc:sldMk cId="763182894" sldId="264"/>
+            <ac:spMk id="3" creationId="{23DFC7E9-54DD-38D7-0B9B-D34948D68CF9}"/>
+          </ac:spMkLst>
+        </pc:spChg>
+      </pc:sldChg>
+      <pc:sldChg chg="modSp mod">
+        <pc:chgData name="Chuck Kiefriter" userId="c57348f7-b440-4861-a58f-c89f414ea74a" providerId="ADAL" clId="{C11307D8-F416-4216-B85A-47312E9494DC}" dt="2023-04-03T15:01:38.405" v="654" actId="20577"/>
+        <pc:sldMkLst>
+          <pc:docMk/>
+          <pc:sldMk cId="367428708" sldId="265"/>
+        </pc:sldMkLst>
+        <pc:spChg chg="mod">
+          <ac:chgData name="Chuck Kiefriter" userId="c57348f7-b440-4861-a58f-c89f414ea74a" providerId="ADAL" clId="{C11307D8-F416-4216-B85A-47312E9494DC}" dt="2023-04-03T15:01:38.405" v="654" actId="20577"/>
+          <ac:spMkLst>
+            <pc:docMk/>
+            <pc:sldMk cId="367428708" sldId="265"/>
+            <ac:spMk id="3" creationId="{23DFC7E9-54DD-38D7-0B9B-D34948D68CF9}"/>
+          </ac:spMkLst>
+        </pc:spChg>
+      </pc:sldChg>
+      <pc:sldChg chg="addSp delSp modSp mod">
+        <pc:chgData name="Chuck Kiefriter" userId="c57348f7-b440-4861-a58f-c89f414ea74a" providerId="ADAL" clId="{C11307D8-F416-4216-B85A-47312E9494DC}" dt="2023-04-04T18:57:23.796" v="1425" actId="207"/>
+        <pc:sldMkLst>
+          <pc:docMk/>
+          <pc:sldMk cId="976671966" sldId="278"/>
+        </pc:sldMkLst>
+        <pc:spChg chg="add mod">
+          <ac:chgData name="Chuck Kiefriter" userId="c57348f7-b440-4861-a58f-c89f414ea74a" providerId="ADAL" clId="{C11307D8-F416-4216-B85A-47312E9494DC}" dt="2023-04-03T15:28:39.411" v="808" actId="1038"/>
+          <ac:spMkLst>
+            <pc:docMk/>
+            <pc:sldMk cId="976671966" sldId="278"/>
+            <ac:spMk id="3" creationId="{C9DDF84E-4B1D-A8C8-4D2B-5582BF58B0D3}"/>
+          </ac:spMkLst>
+        </pc:spChg>
+        <pc:spChg chg="mod">
+          <ac:chgData name="Chuck Kiefriter" userId="c57348f7-b440-4861-a58f-c89f414ea74a" providerId="ADAL" clId="{C11307D8-F416-4216-B85A-47312E9494DC}" dt="2023-04-04T18:57:23.796" v="1425" actId="207"/>
+          <ac:spMkLst>
+            <pc:docMk/>
+            <pc:sldMk cId="976671966" sldId="278"/>
+            <ac:spMk id="4" creationId="{C0B26727-0F97-5A73-B4ED-6BE65E07E5DB}"/>
+          </ac:spMkLst>
+        </pc:spChg>
+        <pc:spChg chg="del">
+          <ac:chgData name="Chuck Kiefriter" userId="c57348f7-b440-4861-a58f-c89f414ea74a" providerId="ADAL" clId="{C11307D8-F416-4216-B85A-47312E9494DC}" dt="2023-04-03T15:02:16.058" v="665" actId="478"/>
+          <ac:spMkLst>
+            <pc:docMk/>
+            <pc:sldMk cId="976671966" sldId="278"/>
+            <ac:spMk id="5" creationId="{983625D7-1156-1D51-0A49-6B0357B75EF4}"/>
+          </ac:spMkLst>
+        </pc:spChg>
+        <pc:spChg chg="mod">
+          <ac:chgData name="Chuck Kiefriter" userId="c57348f7-b440-4861-a58f-c89f414ea74a" providerId="ADAL" clId="{C11307D8-F416-4216-B85A-47312E9494DC}" dt="2023-04-03T15:02:10.368" v="664" actId="20577"/>
+          <ac:spMkLst>
+            <pc:docMk/>
+            <pc:sldMk cId="976671966" sldId="278"/>
+            <ac:spMk id="6" creationId="{59E906CD-110B-9D01-732C-2F21759B0265}"/>
+          </ac:spMkLst>
+        </pc:spChg>
+        <pc:spChg chg="add mod">
+          <ac:chgData name="Chuck Kiefriter" userId="c57348f7-b440-4861-a58f-c89f414ea74a" providerId="ADAL" clId="{C11307D8-F416-4216-B85A-47312E9494DC}" dt="2023-04-03T17:15:25.128" v="1318" actId="1076"/>
+          <ac:spMkLst>
+            <pc:docMk/>
+            <pc:sldMk cId="976671966" sldId="278"/>
+            <ac:spMk id="8" creationId="{9FF17257-FCFA-B5FD-1F98-96E3F7F501FF}"/>
+          </ac:spMkLst>
+        </pc:spChg>
+        <pc:spChg chg="del">
+          <ac:chgData name="Chuck Kiefriter" userId="c57348f7-b440-4861-a58f-c89f414ea74a" providerId="ADAL" clId="{C11307D8-F416-4216-B85A-47312E9494DC}" dt="2023-04-03T15:02:16.058" v="665" actId="478"/>
+          <ac:spMkLst>
+            <pc:docMk/>
+            <pc:sldMk cId="976671966" sldId="278"/>
+            <ac:spMk id="9" creationId="{E3EBAC68-1411-42B9-71E1-6CD3E49066B5}"/>
+          </ac:spMkLst>
+        </pc:spChg>
+      </pc:sldChg>
+      <pc:sldChg chg="modSp mod">
+        <pc:chgData name="Chuck Kiefriter" userId="c57348f7-b440-4861-a58f-c89f414ea74a" providerId="ADAL" clId="{C11307D8-F416-4216-B85A-47312E9494DC}" dt="2023-04-03T17:20:27.754" v="1333" actId="20577"/>
+        <pc:sldMkLst>
+          <pc:docMk/>
+          <pc:sldMk cId="1155090792" sldId="286"/>
+        </pc:sldMkLst>
+        <pc:spChg chg="mod">
+          <ac:chgData name="Chuck Kiefriter" userId="c57348f7-b440-4861-a58f-c89f414ea74a" providerId="ADAL" clId="{C11307D8-F416-4216-B85A-47312E9494DC}" dt="2023-04-03T17:20:27.754" v="1333" actId="20577"/>
+          <ac:spMkLst>
+            <pc:docMk/>
+            <pc:sldMk cId="1155090792" sldId="286"/>
+            <ac:spMk id="3" creationId="{23DFC7E9-54DD-38D7-0B9B-D34948D68CF9}"/>
+          </ac:spMkLst>
+        </pc:spChg>
+      </pc:sldChg>
+      <pc:sldChg chg="modSp mod">
+        <pc:chgData name="Chuck Kiefriter" userId="c57348f7-b440-4861-a58f-c89f414ea74a" providerId="ADAL" clId="{C11307D8-F416-4216-B85A-47312E9494DC}" dt="2023-04-03T18:49:25.647" v="1381" actId="20577"/>
+        <pc:sldMkLst>
+          <pc:docMk/>
+          <pc:sldMk cId="424094208" sldId="287"/>
+        </pc:sldMkLst>
+        <pc:spChg chg="mod">
+          <ac:chgData name="Chuck Kiefriter" userId="c57348f7-b440-4861-a58f-c89f414ea74a" providerId="ADAL" clId="{C11307D8-F416-4216-B85A-47312E9494DC}" dt="2023-04-03T18:49:25.647" v="1381" actId="20577"/>
+          <ac:spMkLst>
+            <pc:docMk/>
+            <pc:sldMk cId="424094208" sldId="287"/>
+            <ac:spMk id="5" creationId="{9DB63145-E59C-9501-8AA5-4E6AC5C0D40F}"/>
+          </ac:spMkLst>
+        </pc:spChg>
+      </pc:sldChg>
+      <pc:sldChg chg="del">
+        <pc:chgData name="Chuck Kiefriter" userId="c57348f7-b440-4861-a58f-c89f414ea74a" providerId="ADAL" clId="{C11307D8-F416-4216-B85A-47312E9494DC}" dt="2023-04-02T22:24:00.552" v="217" actId="47"/>
+        <pc:sldMkLst>
+          <pc:docMk/>
+          <pc:sldMk cId="834285187" sldId="288"/>
+        </pc:sldMkLst>
+      </pc:sldChg>
+      <pc:sldChg chg="del">
+        <pc:chgData name="Chuck Kiefriter" userId="c57348f7-b440-4861-a58f-c89f414ea74a" providerId="ADAL" clId="{C11307D8-F416-4216-B85A-47312E9494DC}" dt="2023-04-03T15:08:27.437" v="744" actId="47"/>
+        <pc:sldMkLst>
+          <pc:docMk/>
+          <pc:sldMk cId="3007476099" sldId="289"/>
+        </pc:sldMkLst>
+      </pc:sldChg>
+      <pc:sldChg chg="del">
+        <pc:chgData name="Chuck Kiefriter" userId="c57348f7-b440-4861-a58f-c89f414ea74a" providerId="ADAL" clId="{C11307D8-F416-4216-B85A-47312E9494DC}" dt="2023-04-03T15:08:28.915" v="745" actId="47"/>
+        <pc:sldMkLst>
+          <pc:docMk/>
+          <pc:sldMk cId="2491041013" sldId="290"/>
+        </pc:sldMkLst>
+      </pc:sldChg>
+      <pc:sldChg chg="del">
+        <pc:chgData name="Chuck Kiefriter" userId="c57348f7-b440-4861-a58f-c89f414ea74a" providerId="ADAL" clId="{C11307D8-F416-4216-B85A-47312E9494DC}" dt="2023-04-03T15:08:29.838" v="746" actId="47"/>
+        <pc:sldMkLst>
+          <pc:docMk/>
+          <pc:sldMk cId="491903796" sldId="291"/>
+        </pc:sldMkLst>
+      </pc:sldChg>
+      <pc:sldChg chg="del">
+        <pc:chgData name="Chuck Kiefriter" userId="c57348f7-b440-4861-a58f-c89f414ea74a" providerId="ADAL" clId="{C11307D8-F416-4216-B85A-47312E9494DC}" dt="2023-04-03T15:08:31.482" v="747" actId="47"/>
+        <pc:sldMkLst>
+          <pc:docMk/>
+          <pc:sldMk cId="1538833485" sldId="292"/>
+        </pc:sldMkLst>
+      </pc:sldChg>
+      <pc:sldChg chg="addSp modSp add mod">
+        <pc:chgData name="Chuck Kiefriter" userId="c57348f7-b440-4861-a58f-c89f414ea74a" providerId="ADAL" clId="{C11307D8-F416-4216-B85A-47312E9494DC}" dt="2023-04-04T22:37:32.693" v="1436" actId="1076"/>
+        <pc:sldMkLst>
+          <pc:docMk/>
+          <pc:sldMk cId="250210305" sldId="293"/>
+        </pc:sldMkLst>
+        <pc:spChg chg="mod">
+          <ac:chgData name="Chuck Kiefriter" userId="c57348f7-b440-4861-a58f-c89f414ea74a" providerId="ADAL" clId="{C11307D8-F416-4216-B85A-47312E9494DC}" dt="2023-04-02T22:25:04.220" v="238" actId="20577"/>
+          <ac:spMkLst>
+            <pc:docMk/>
+            <pc:sldMk cId="250210305" sldId="293"/>
+            <ac:spMk id="6" creationId="{DE3DBA5A-FA8E-46C6-1402-E5C7632F4CAD}"/>
+          </ac:spMkLst>
+        </pc:spChg>
+        <pc:spChg chg="mod">
+          <ac:chgData name="Chuck Kiefriter" userId="c57348f7-b440-4861-a58f-c89f414ea74a" providerId="ADAL" clId="{C11307D8-F416-4216-B85A-47312E9494DC}" dt="2023-04-02T22:34:44.575" v="335" actId="1036"/>
+          <ac:spMkLst>
+            <pc:docMk/>
+            <pc:sldMk cId="250210305" sldId="293"/>
+            <ac:spMk id="10" creationId="{EA3D5ED0-1762-C438-DD7C-B32C5582A339}"/>
+          </ac:spMkLst>
+        </pc:spChg>
+        <pc:graphicFrameChg chg="add mod modGraphic">
+          <ac:chgData name="Chuck Kiefriter" userId="c57348f7-b440-4861-a58f-c89f414ea74a" providerId="ADAL" clId="{C11307D8-F416-4216-B85A-47312E9494DC}" dt="2023-04-02T22:34:15.597" v="311" actId="207"/>
+          <ac:graphicFrameMkLst>
+            <pc:docMk/>
+            <pc:sldMk cId="250210305" sldId="293"/>
+            <ac:graphicFrameMk id="2" creationId="{37BDF7BB-E95F-A1D6-91B0-C82B570617A0}"/>
+          </ac:graphicFrameMkLst>
+        </pc:graphicFrameChg>
+        <pc:picChg chg="add mod">
+          <ac:chgData name="Chuck Kiefriter" userId="c57348f7-b440-4861-a58f-c89f414ea74a" providerId="ADAL" clId="{C11307D8-F416-4216-B85A-47312E9494DC}" dt="2023-04-02T22:31:46.068" v="292" actId="1076"/>
+          <ac:picMkLst>
+            <pc:docMk/>
+            <pc:sldMk cId="250210305" sldId="293"/>
+            <ac:picMk id="4" creationId="{7CB28188-CD37-F6A4-6D3C-70765550BD6C}"/>
+          </ac:picMkLst>
+        </pc:picChg>
+        <pc:picChg chg="add mod">
+          <ac:chgData name="Chuck Kiefriter" userId="c57348f7-b440-4861-a58f-c89f414ea74a" providerId="ADAL" clId="{C11307D8-F416-4216-B85A-47312E9494DC}" dt="2023-04-04T22:37:32.693" v="1436" actId="1076"/>
+          <ac:picMkLst>
+            <pc:docMk/>
+            <pc:sldMk cId="250210305" sldId="293"/>
+            <ac:picMk id="5" creationId="{53DF2F7F-7B17-ADB3-6B4E-639563DF2A2A}"/>
+          </ac:picMkLst>
+        </pc:picChg>
+      </pc:sldChg>
+      <pc:sldChg chg="addSp delSp modSp add mod">
+        <pc:chgData name="Chuck Kiefriter" userId="c57348f7-b440-4861-a58f-c89f414ea74a" providerId="ADAL" clId="{C11307D8-F416-4216-B85A-47312E9494DC}" dt="2023-04-02T23:08:14.894" v="563" actId="207"/>
+        <pc:sldMkLst>
+          <pc:docMk/>
+          <pc:sldMk cId="2393746750" sldId="294"/>
+        </pc:sldMkLst>
+        <pc:spChg chg="add mod">
+          <ac:chgData name="Chuck Kiefriter" userId="c57348f7-b440-4861-a58f-c89f414ea74a" providerId="ADAL" clId="{C11307D8-F416-4216-B85A-47312E9494DC}" dt="2023-04-02T22:57:18.640" v="499" actId="1076"/>
+          <ac:spMkLst>
+            <pc:docMk/>
+            <pc:sldMk cId="2393746750" sldId="294"/>
+            <ac:spMk id="5" creationId="{2F91AB46-91B6-D008-FAC4-1461717C6E0C}"/>
+          </ac:spMkLst>
+        </pc:spChg>
+        <pc:spChg chg="mod">
+          <ac:chgData name="Chuck Kiefriter" userId="c57348f7-b440-4861-a58f-c89f414ea74a" providerId="ADAL" clId="{C11307D8-F416-4216-B85A-47312E9494DC}" dt="2023-04-02T22:47:27.050" v="410" actId="20577"/>
+          <ac:spMkLst>
+            <pc:docMk/>
+            <pc:sldMk cId="2393746750" sldId="294"/>
+            <ac:spMk id="6" creationId="{DE3DBA5A-FA8E-46C6-1402-E5C7632F4CAD}"/>
+          </ac:spMkLst>
+        </pc:spChg>
+        <pc:spChg chg="add mod">
+          <ac:chgData name="Chuck Kiefriter" userId="c57348f7-b440-4861-a58f-c89f414ea74a" providerId="ADAL" clId="{C11307D8-F416-4216-B85A-47312E9494DC}" dt="2023-04-02T23:05:15.025" v="512" actId="1076"/>
+          <ac:spMkLst>
+            <pc:docMk/>
+            <pc:sldMk cId="2393746750" sldId="294"/>
+            <ac:spMk id="8" creationId="{D447757E-C9A6-66AC-8AF6-FAEF70B9920F}"/>
+          </ac:spMkLst>
+        </pc:spChg>
+        <pc:spChg chg="mod">
+          <ac:chgData name="Chuck Kiefriter" userId="c57348f7-b440-4861-a58f-c89f414ea74a" providerId="ADAL" clId="{C11307D8-F416-4216-B85A-47312E9494DC}" dt="2023-04-02T23:08:14.894" v="563" actId="207"/>
+          <ac:spMkLst>
+            <pc:docMk/>
+            <pc:sldMk cId="2393746750" sldId="294"/>
+            <ac:spMk id="10" creationId="{EA3D5ED0-1762-C438-DD7C-B32C5582A339}"/>
+          </ac:spMkLst>
+        </pc:spChg>
+        <pc:spChg chg="add mod">
+          <ac:chgData name="Chuck Kiefriter" userId="c57348f7-b440-4861-a58f-c89f414ea74a" providerId="ADAL" clId="{C11307D8-F416-4216-B85A-47312E9494DC}" dt="2023-04-02T23:05:37.879" v="515" actId="14100"/>
+          <ac:spMkLst>
+            <pc:docMk/>
+            <pc:sldMk cId="2393746750" sldId="294"/>
+            <ac:spMk id="11" creationId="{18375F9A-28E2-5B4B-53E5-365BF1F164F0}"/>
+          </ac:spMkLst>
+        </pc:spChg>
+        <pc:spChg chg="add mod">
+          <ac:chgData name="Chuck Kiefriter" userId="c57348f7-b440-4861-a58f-c89f414ea74a" providerId="ADAL" clId="{C11307D8-F416-4216-B85A-47312E9494DC}" dt="2023-04-02T23:06:07.710" v="536" actId="1036"/>
+          <ac:spMkLst>
+            <pc:docMk/>
+            <pc:sldMk cId="2393746750" sldId="294"/>
+            <ac:spMk id="13" creationId="{61BB3492-71A0-D931-F8EC-53AE6AE410A9}"/>
+          </ac:spMkLst>
+        </pc:spChg>
+        <pc:graphicFrameChg chg="del">
+          <ac:chgData name="Chuck Kiefriter" userId="c57348f7-b440-4861-a58f-c89f414ea74a" providerId="ADAL" clId="{C11307D8-F416-4216-B85A-47312E9494DC}" dt="2023-04-02T22:46:54.432" v="388" actId="478"/>
+          <ac:graphicFrameMkLst>
+            <pc:docMk/>
+            <pc:sldMk cId="2393746750" sldId="294"/>
+            <ac:graphicFrameMk id="2" creationId="{37BDF7BB-E95F-A1D6-91B0-C82B570617A0}"/>
+          </ac:graphicFrameMkLst>
+        </pc:graphicFrameChg>
+        <pc:picChg chg="del">
+          <ac:chgData name="Chuck Kiefriter" userId="c57348f7-b440-4861-a58f-c89f414ea74a" providerId="ADAL" clId="{C11307D8-F416-4216-B85A-47312E9494DC}" dt="2023-04-02T22:46:57.054" v="389" actId="478"/>
+          <ac:picMkLst>
+            <pc:docMk/>
+            <pc:sldMk cId="2393746750" sldId="294"/>
+            <ac:picMk id="4" creationId="{7CB28188-CD37-F6A4-6D3C-70765550BD6C}"/>
+          </ac:picMkLst>
+        </pc:picChg>
+      </pc:sldChg>
+      <pc:sldChg chg="modSp add mod">
+        <pc:chgData name="Chuck Kiefriter" userId="c57348f7-b440-4861-a58f-c89f414ea74a" providerId="ADAL" clId="{C11307D8-F416-4216-B85A-47312E9494DC}" dt="2023-04-02T23:11:48.745" v="585" actId="5793"/>
+        <pc:sldMkLst>
+          <pc:docMk/>
+          <pc:sldMk cId="3934503907" sldId="295"/>
+        </pc:sldMkLst>
+        <pc:spChg chg="mod">
+          <ac:chgData name="Chuck Kiefriter" userId="c57348f7-b440-4861-a58f-c89f414ea74a" providerId="ADAL" clId="{C11307D8-F416-4216-B85A-47312E9494DC}" dt="2023-04-02T23:09:06.656" v="565" actId="6549"/>
+          <ac:spMkLst>
+            <pc:docMk/>
+            <pc:sldMk cId="3934503907" sldId="295"/>
+            <ac:spMk id="6" creationId="{DE3DBA5A-FA8E-46C6-1402-E5C7632F4CAD}"/>
+          </ac:spMkLst>
+        </pc:spChg>
+        <pc:spChg chg="mod">
+          <ac:chgData name="Chuck Kiefriter" userId="c57348f7-b440-4861-a58f-c89f414ea74a" providerId="ADAL" clId="{C11307D8-F416-4216-B85A-47312E9494DC}" dt="2023-04-02T23:11:48.745" v="585" actId="5793"/>
+          <ac:spMkLst>
+            <pc:docMk/>
+            <pc:sldMk cId="3934503907" sldId="295"/>
+            <ac:spMk id="10" creationId="{EA3D5ED0-1762-C438-DD7C-B32C5582A339}"/>
+          </ac:spMkLst>
+        </pc:spChg>
+      </pc:sldChg>
+      <pc:sldChg chg="addSp modSp add mod">
+        <pc:chgData name="Chuck Kiefriter" userId="c57348f7-b440-4861-a58f-c89f414ea74a" providerId="ADAL" clId="{C11307D8-F416-4216-B85A-47312E9494DC}" dt="2023-04-03T18:11:13.271" v="1353" actId="6549"/>
+        <pc:sldMkLst>
+          <pc:docMk/>
+          <pc:sldMk cId="1076239930" sldId="296"/>
+        </pc:sldMkLst>
+        <pc:spChg chg="add mod">
+          <ac:chgData name="Chuck Kiefriter" userId="c57348f7-b440-4861-a58f-c89f414ea74a" providerId="ADAL" clId="{C11307D8-F416-4216-B85A-47312E9494DC}" dt="2023-04-03T15:00:52.531" v="644" actId="1076"/>
+          <ac:spMkLst>
+            <pc:docMk/>
+            <pc:sldMk cId="1076239930" sldId="296"/>
+            <ac:spMk id="3" creationId="{4147B091-8768-D6A8-FF68-DEC06014D579}"/>
+          </ac:spMkLst>
+        </pc:spChg>
+        <pc:spChg chg="mod">
+          <ac:chgData name="Chuck Kiefriter" userId="c57348f7-b440-4861-a58f-c89f414ea74a" providerId="ADAL" clId="{C11307D8-F416-4216-B85A-47312E9494DC}" dt="2023-04-03T15:00:29.665" v="640" actId="1035"/>
+          <ac:spMkLst>
+            <pc:docMk/>
+            <pc:sldMk cId="1076239930" sldId="296"/>
+            <ac:spMk id="6" creationId="{DE3DBA5A-FA8E-46C6-1402-E5C7632F4CAD}"/>
+          </ac:spMkLst>
+        </pc:spChg>
+        <pc:spChg chg="mod">
+          <ac:chgData name="Chuck Kiefriter" userId="c57348f7-b440-4861-a58f-c89f414ea74a" providerId="ADAL" clId="{C11307D8-F416-4216-B85A-47312E9494DC}" dt="2023-04-03T18:11:13.271" v="1353" actId="6549"/>
+          <ac:spMkLst>
+            <pc:docMk/>
+            <pc:sldMk cId="1076239930" sldId="296"/>
+            <ac:spMk id="10" creationId="{EA3D5ED0-1762-C438-DD7C-B32C5582A339}"/>
+          </ac:spMkLst>
+        </pc:spChg>
+      </pc:sldChg>
+      <pc:sldChg chg="addSp delSp modSp add mod">
+        <pc:chgData name="Chuck Kiefriter" userId="c57348f7-b440-4861-a58f-c89f414ea74a" providerId="ADAL" clId="{C11307D8-F416-4216-B85A-47312E9494DC}" dt="2023-04-04T18:58:19.446" v="1426" actId="207"/>
+        <pc:sldMkLst>
+          <pc:docMk/>
+          <pc:sldMk cId="2586908395" sldId="297"/>
+        </pc:sldMkLst>
+        <pc:spChg chg="add del">
+          <ac:chgData name="Chuck Kiefriter" userId="c57348f7-b440-4861-a58f-c89f414ea74a" providerId="ADAL" clId="{C11307D8-F416-4216-B85A-47312E9494DC}" dt="2023-04-03T15:12:27.009" v="762"/>
+          <ac:spMkLst>
+            <pc:docMk/>
+            <pc:sldMk cId="2586908395" sldId="297"/>
+            <ac:spMk id="2" creationId="{3F616592-3C02-0860-84A0-E3BEDB39760F}"/>
+          </ac:spMkLst>
+        </pc:spChg>
+        <pc:spChg chg="mod">
+          <ac:chgData name="Chuck Kiefriter" userId="c57348f7-b440-4861-a58f-c89f414ea74a" providerId="ADAL" clId="{C11307D8-F416-4216-B85A-47312E9494DC}" dt="2023-04-04T18:58:19.446" v="1426" actId="207"/>
+          <ac:spMkLst>
+            <pc:docMk/>
+            <pc:sldMk cId="2586908395" sldId="297"/>
+            <ac:spMk id="4" creationId="{C0B26727-0F97-5A73-B4ED-6BE65E07E5DB}"/>
+          </ac:spMkLst>
+        </pc:spChg>
+        <pc:spChg chg="add mod">
+          <ac:chgData name="Chuck Kiefriter" userId="c57348f7-b440-4861-a58f-c89f414ea74a" providerId="ADAL" clId="{C11307D8-F416-4216-B85A-47312E9494DC}" dt="2023-04-03T15:28:43.603" v="809"/>
+          <ac:spMkLst>
+            <pc:docMk/>
+            <pc:sldMk cId="2586908395" sldId="297"/>
+            <ac:spMk id="7" creationId="{E4F67DC1-6682-DCC5-09F9-0D3C65052F99}"/>
+          </ac:spMkLst>
+        </pc:spChg>
+        <pc:picChg chg="add mod">
+          <ac:chgData name="Chuck Kiefriter" userId="c57348f7-b440-4861-a58f-c89f414ea74a" providerId="ADAL" clId="{C11307D8-F416-4216-B85A-47312E9494DC}" dt="2023-04-03T15:28:53.796" v="836" actId="1035"/>
+          <ac:picMkLst>
+            <pc:docMk/>
+            <pc:sldMk cId="2586908395" sldId="297"/>
+            <ac:picMk id="5" creationId="{A70A8141-972B-8FEE-B70B-882D3DD31F46}"/>
+          </ac:picMkLst>
+        </pc:picChg>
+      </pc:sldChg>
+      <pc:sldChg chg="addSp delSp modSp add mod">
+        <pc:chgData name="Chuck Kiefriter" userId="c57348f7-b440-4861-a58f-c89f414ea74a" providerId="ADAL" clId="{C11307D8-F416-4216-B85A-47312E9494DC}" dt="2023-04-03T15:29:37.311" v="840" actId="115"/>
+        <pc:sldMkLst>
+          <pc:docMk/>
+          <pc:sldMk cId="1731529612" sldId="298"/>
+        </pc:sldMkLst>
+        <pc:spChg chg="mod">
+          <ac:chgData name="Chuck Kiefriter" userId="c57348f7-b440-4861-a58f-c89f414ea74a" providerId="ADAL" clId="{C11307D8-F416-4216-B85A-47312E9494DC}" dt="2023-04-03T15:29:37.311" v="840" actId="115"/>
+          <ac:spMkLst>
+            <pc:docMk/>
+            <pc:sldMk cId="1731529612" sldId="298"/>
+            <ac:spMk id="4" creationId="{C0B26727-0F97-5A73-B4ED-6BE65E07E5DB}"/>
+          </ac:spMkLst>
+        </pc:spChg>
+        <pc:spChg chg="add mod">
+          <ac:chgData name="Chuck Kiefriter" userId="c57348f7-b440-4861-a58f-c89f414ea74a" providerId="ADAL" clId="{C11307D8-F416-4216-B85A-47312E9494DC}" dt="2023-04-03T15:28:57.894" v="837"/>
+          <ac:spMkLst>
+            <pc:docMk/>
+            <pc:sldMk cId="1731529612" sldId="298"/>
+            <ac:spMk id="7" creationId="{81EDE05F-B22E-686F-2292-BF6CA2A0BD87}"/>
+          </ac:spMkLst>
+        </pc:spChg>
+        <pc:picChg chg="add mod">
+          <ac:chgData name="Chuck Kiefriter" userId="c57348f7-b440-4861-a58f-c89f414ea74a" providerId="ADAL" clId="{C11307D8-F416-4216-B85A-47312E9494DC}" dt="2023-04-03T15:29:05.082" v="839" actId="1076"/>
+          <ac:picMkLst>
+            <pc:docMk/>
+            <pc:sldMk cId="1731529612" sldId="298"/>
+            <ac:picMk id="3" creationId="{E2697A41-77D9-6BEA-7880-1DBD268ED34C}"/>
+          </ac:picMkLst>
+        </pc:picChg>
+        <pc:picChg chg="del">
+          <ac:chgData name="Chuck Kiefriter" userId="c57348f7-b440-4861-a58f-c89f414ea74a" providerId="ADAL" clId="{C11307D8-F416-4216-B85A-47312E9494DC}" dt="2023-04-03T15:22:11.665" v="790" actId="478"/>
+          <ac:picMkLst>
+            <pc:docMk/>
+            <pc:sldMk cId="1731529612" sldId="298"/>
+            <ac:picMk id="5" creationId="{A70A8141-972B-8FEE-B70B-882D3DD31F46}"/>
+          </ac:picMkLst>
+        </pc:picChg>
+      </pc:sldChg>
+      <pc:sldChg chg="addSp delSp modSp add mod">
+        <pc:chgData name="Chuck Kiefriter" userId="c57348f7-b440-4861-a58f-c89f414ea74a" providerId="ADAL" clId="{C11307D8-F416-4216-B85A-47312E9494DC}" dt="2023-04-04T20:45:30.493" v="1433" actId="1076"/>
+        <pc:sldMkLst>
+          <pc:docMk/>
+          <pc:sldMk cId="12263916" sldId="299"/>
+        </pc:sldMkLst>
+        <pc:spChg chg="add mod">
+          <ac:chgData name="Chuck Kiefriter" userId="c57348f7-b440-4861-a58f-c89f414ea74a" providerId="ADAL" clId="{C11307D8-F416-4216-B85A-47312E9494DC}" dt="2023-04-04T20:45:30.493" v="1433" actId="1076"/>
+          <ac:spMkLst>
+            <pc:docMk/>
+            <pc:sldMk cId="12263916" sldId="299"/>
+            <ac:spMk id="2" creationId="{05E39B88-6490-5C54-C767-A0E91A8F373F}"/>
+          </ac:spMkLst>
+        </pc:spChg>
+        <pc:spChg chg="mod">
+          <ac:chgData name="Chuck Kiefriter" userId="c57348f7-b440-4861-a58f-c89f414ea74a" providerId="ADAL" clId="{C11307D8-F416-4216-B85A-47312E9494DC}" dt="2023-04-04T19:00:59.565" v="1427" actId="6549"/>
+          <ac:spMkLst>
+            <pc:docMk/>
+            <pc:sldMk cId="12263916" sldId="299"/>
+            <ac:spMk id="4" creationId="{C0B26727-0F97-5A73-B4ED-6BE65E07E5DB}"/>
+          </ac:spMkLst>
+        </pc:spChg>
+        <pc:spChg chg="mod">
+          <ac:chgData name="Chuck Kiefriter" userId="c57348f7-b440-4861-a58f-c89f414ea74a" providerId="ADAL" clId="{C11307D8-F416-4216-B85A-47312E9494DC}" dt="2023-04-03T15:33:43.577" v="892" actId="14100"/>
+          <ac:spMkLst>
+            <pc:docMk/>
+            <pc:sldMk cId="12263916" sldId="299"/>
+            <ac:spMk id="6" creationId="{59E906CD-110B-9D01-732C-2F21759B0265}"/>
+          </ac:spMkLst>
+        </pc:spChg>
+        <pc:spChg chg="del">
+          <ac:chgData name="Chuck Kiefriter" userId="c57348f7-b440-4861-a58f-c89f414ea74a" providerId="ADAL" clId="{C11307D8-F416-4216-B85A-47312E9494DC}" dt="2023-04-03T15:33:49.188" v="894" actId="478"/>
+          <ac:spMkLst>
+            <pc:docMk/>
+            <pc:sldMk cId="12263916" sldId="299"/>
+            <ac:spMk id="7" creationId="{81EDE05F-B22E-686F-2292-BF6CA2A0BD87}"/>
+          </ac:spMkLst>
+        </pc:spChg>
+        <pc:picChg chg="del">
+          <ac:chgData name="Chuck Kiefriter" userId="c57348f7-b440-4861-a58f-c89f414ea74a" providerId="ADAL" clId="{C11307D8-F416-4216-B85A-47312E9494DC}" dt="2023-04-03T15:33:46.266" v="893" actId="478"/>
+          <ac:picMkLst>
+            <pc:docMk/>
+            <pc:sldMk cId="12263916" sldId="299"/>
+            <ac:picMk id="3" creationId="{E2697A41-77D9-6BEA-7880-1DBD268ED34C}"/>
+          </ac:picMkLst>
+        </pc:picChg>
+      </pc:sldChg>
+      <pc:sldChg chg="addSp modSp add mod">
+        <pc:chgData name="Chuck Kiefriter" userId="c57348f7-b440-4861-a58f-c89f414ea74a" providerId="ADAL" clId="{C11307D8-F416-4216-B85A-47312E9494DC}" dt="2023-04-03T17:15:51.867" v="1320" actId="1076"/>
+        <pc:sldMkLst>
+          <pc:docMk/>
+          <pc:sldMk cId="2285577035" sldId="300"/>
+        </pc:sldMkLst>
+        <pc:spChg chg="add mod">
+          <ac:chgData name="Chuck Kiefriter" userId="c57348f7-b440-4861-a58f-c89f414ea74a" providerId="ADAL" clId="{C11307D8-F416-4216-B85A-47312E9494DC}" dt="2023-04-03T17:15:51.867" v="1320" actId="1076"/>
+          <ac:spMkLst>
+            <pc:docMk/>
+            <pc:sldMk cId="2285577035" sldId="300"/>
+            <ac:spMk id="2" creationId="{2292BC77-EAED-98AF-CC12-6B2F561FA457}"/>
+          </ac:spMkLst>
+        </pc:spChg>
+        <pc:spChg chg="mod">
+          <ac:chgData name="Chuck Kiefriter" userId="c57348f7-b440-4861-a58f-c89f414ea74a" providerId="ADAL" clId="{C11307D8-F416-4216-B85A-47312E9494DC}" dt="2023-04-03T15:54:36.687" v="1219" actId="20577"/>
+          <ac:spMkLst>
+            <pc:docMk/>
+            <pc:sldMk cId="2285577035" sldId="300"/>
+            <ac:spMk id="4" creationId="{C0B26727-0F97-5A73-B4ED-6BE65E07E5DB}"/>
+          </ac:spMkLst>
+        </pc:spChg>
+      </pc:sldChg>
+      <pc:sldChg chg="modSp add mod">
+        <pc:chgData name="Chuck Kiefriter" userId="c57348f7-b440-4861-a58f-c89f414ea74a" providerId="ADAL" clId="{C11307D8-F416-4216-B85A-47312E9494DC}" dt="2023-04-03T15:57:12.701" v="1314" actId="2711"/>
+        <pc:sldMkLst>
+          <pc:docMk/>
+          <pc:sldMk cId="3976039359" sldId="301"/>
+        </pc:sldMkLst>
+        <pc:spChg chg="mod">
+          <ac:chgData name="Chuck Kiefriter" userId="c57348f7-b440-4861-a58f-c89f414ea74a" providerId="ADAL" clId="{C11307D8-F416-4216-B85A-47312E9494DC}" dt="2023-04-03T15:57:12.701" v="1314" actId="2711"/>
+          <ac:spMkLst>
+            <pc:docMk/>
+            <pc:sldMk cId="3976039359" sldId="301"/>
+            <ac:spMk id="4" creationId="{C0B26727-0F97-5A73-B4ED-6BE65E07E5DB}"/>
+          </ac:spMkLst>
+        </pc:spChg>
+      </pc:sldChg>
+      <pc:sldChg chg="add">
+        <pc:chgData name="Chuck Kiefriter" userId="c57348f7-b440-4861-a58f-c89f414ea74a" providerId="ADAL" clId="{C11307D8-F416-4216-B85A-47312E9494DC}" dt="2023-04-03T17:20:19.963" v="1321" actId="2890"/>
+        <pc:sldMkLst>
+          <pc:docMk/>
+          <pc:sldMk cId="4183596226" sldId="302"/>
+        </pc:sldMkLst>
+      </pc:sldChg>
+      <pc:sldChg chg="addSp delSp modSp add mod ord">
+        <pc:chgData name="Chuck Kiefriter" userId="c57348f7-b440-4861-a58f-c89f414ea74a" providerId="ADAL" clId="{C11307D8-F416-4216-B85A-47312E9494DC}" dt="2023-04-03T18:58:14.568" v="1424" actId="20577"/>
+        <pc:sldMkLst>
+          <pc:docMk/>
+          <pc:sldMk cId="3551399501" sldId="303"/>
+        </pc:sldMkLst>
+        <pc:spChg chg="add del">
+          <ac:chgData name="Chuck Kiefriter" userId="c57348f7-b440-4861-a58f-c89f414ea74a" providerId="ADAL" clId="{C11307D8-F416-4216-B85A-47312E9494DC}" dt="2023-04-03T18:20:13.989" v="1365"/>
+          <ac:spMkLst>
+            <pc:docMk/>
+            <pc:sldMk cId="3551399501" sldId="303"/>
+            <ac:spMk id="2" creationId="{E2153FEC-75DF-CAC0-FEA3-C66E491898A2}"/>
+          </ac:spMkLst>
+        </pc:spChg>
+        <pc:spChg chg="mod">
+          <ac:chgData name="Chuck Kiefriter" userId="c57348f7-b440-4861-a58f-c89f414ea74a" providerId="ADAL" clId="{C11307D8-F416-4216-B85A-47312E9494DC}" dt="2023-04-03T18:58:14.568" v="1424" actId="20577"/>
+          <ac:spMkLst>
+            <pc:docMk/>
+            <pc:sldMk cId="3551399501" sldId="303"/>
+            <ac:spMk id="4" creationId="{C0B26727-0F97-5A73-B4ED-6BE65E07E5DB}"/>
+          </ac:spMkLst>
+        </pc:spChg>
+        <pc:spChg chg="add mod">
+          <ac:chgData name="Chuck Kiefriter" userId="c57348f7-b440-4861-a58f-c89f414ea74a" providerId="ADAL" clId="{C11307D8-F416-4216-B85A-47312E9494DC}" dt="2023-04-03T18:46:22.450" v="1378" actId="1076"/>
+          <ac:spMkLst>
+            <pc:docMk/>
+            <pc:sldMk cId="3551399501" sldId="303"/>
+            <ac:spMk id="5" creationId="{20F6CBEF-9110-814A-F1E8-8EDD591B1904}"/>
+          </ac:spMkLst>
+        </pc:spChg>
+        <pc:spChg chg="mod">
+          <ac:chgData name="Chuck Kiefriter" userId="c57348f7-b440-4861-a58f-c89f414ea74a" providerId="ADAL" clId="{C11307D8-F416-4216-B85A-47312E9494DC}" dt="2023-04-03T17:21:43.237" v="1352" actId="20577"/>
+          <ac:spMkLst>
+            <pc:docMk/>
+            <pc:sldMk cId="3551399501" sldId="303"/>
+            <ac:spMk id="6" creationId="{59E906CD-110B-9D01-732C-2F21759B0265}"/>
+          </ac:spMkLst>
+        </pc:spChg>
+      </pc:sldChg>
+      <pc:sldChg chg="addSp delSp modSp add mod">
+        <pc:chgData name="Chuck Kiefriter" userId="c57348f7-b440-4861-a58f-c89f414ea74a" providerId="ADAL" clId="{C11307D8-F416-4216-B85A-47312E9494DC}" dt="2023-04-05T01:39:50.392" v="1445" actId="1076"/>
+        <pc:sldMkLst>
+          <pc:docMk/>
+          <pc:sldMk cId="3119538790" sldId="304"/>
+        </pc:sldMkLst>
+        <pc:spChg chg="del">
+          <ac:chgData name="Chuck Kiefriter" userId="c57348f7-b440-4861-a58f-c89f414ea74a" providerId="ADAL" clId="{C11307D8-F416-4216-B85A-47312E9494DC}" dt="2023-04-05T01:39:47.689" v="1443" actId="478"/>
+          <ac:spMkLst>
+            <pc:docMk/>
+            <pc:sldMk cId="3119538790" sldId="304"/>
+            <ac:spMk id="4" creationId="{C0B26727-0F97-5A73-B4ED-6BE65E07E5DB}"/>
+          </ac:spMkLst>
+        </pc:spChg>
+        <pc:picChg chg="add mod">
+          <ac:chgData name="Chuck Kiefriter" userId="c57348f7-b440-4861-a58f-c89f414ea74a" providerId="ADAL" clId="{C11307D8-F416-4216-B85A-47312E9494DC}" dt="2023-04-05T01:39:50.392" v="1445" actId="1076"/>
+          <ac:picMkLst>
+            <pc:docMk/>
+            <pc:sldMk cId="3119538790" sldId="304"/>
+            <ac:picMk id="5" creationId="{6A37CBD8-6224-F786-CA2E-BFD9FDE0E68A}"/>
+          </ac:picMkLst>
+        </pc:picChg>
+      </pc:sldChg>
+    </pc:docChg>
+  </pc:docChgLst>
+  <pc:docChgLst>
+    <pc:chgData name="Chuck Kiefriter" userId="a996b49251c4dfd2" providerId="LiveId" clId="{5C1283CD-C698-4BA7-804F-7ACE9359C12B}"/>
+    <pc:docChg chg="modSld">
+      <pc:chgData name="Chuck Kiefriter" userId="a996b49251c4dfd2" providerId="LiveId" clId="{5C1283CD-C698-4BA7-804F-7ACE9359C12B}" dt="2024-11-08T00:51:31.842" v="23" actId="6549"/>
+      <pc:docMkLst>
+        <pc:docMk/>
+      </pc:docMkLst>
+      <pc:sldChg chg="modSp mod">
+        <pc:chgData name="Chuck Kiefriter" userId="a996b49251c4dfd2" providerId="LiveId" clId="{5C1283CD-C698-4BA7-804F-7ACE9359C12B}" dt="2024-11-08T00:51:31.842" v="23" actId="6549"/>
+        <pc:sldMkLst>
+          <pc:docMk/>
+          <pc:sldMk cId="3194223319" sldId="263"/>
+        </pc:sldMkLst>
+        <pc:spChg chg="mod">
+          <ac:chgData name="Chuck Kiefriter" userId="a996b49251c4dfd2" providerId="LiveId" clId="{5C1283CD-C698-4BA7-804F-7ACE9359C12B}" dt="2024-11-08T00:51:31.842" v="23" actId="6549"/>
+          <ac:spMkLst>
+            <pc:docMk/>
+            <pc:sldMk cId="3194223319" sldId="263"/>
+            <ac:spMk id="3" creationId="{23DFC7E9-54DD-38D7-0B9B-D34948D68CF9}"/>
+          </ac:spMkLst>
+        </pc:spChg>
+      </pc:sldChg>
+    </pc:docChg>
+  </pc:docChgLst>
+  <pc:docChgLst>
+    <pc:chgData name="Chuck Kiefriter" userId="c57348f7-b440-4861-a58f-c89f414ea74a" providerId="ADAL" clId="{CEAAE73E-A3C0-4EF3-8264-4F08772B5760}"/>
+    <pc:docChg chg="undo custSel addSld delSld modSld">
+      <pc:chgData name="Chuck Kiefriter" userId="c57348f7-b440-4861-a58f-c89f414ea74a" providerId="ADAL" clId="{CEAAE73E-A3C0-4EF3-8264-4F08772B5760}" dt="2023-03-21T23:02:03.008" v="988" actId="6549"/>
+      <pc:docMkLst>
+        <pc:docMk/>
+      </pc:docMkLst>
+      <pc:sldChg chg="addSp delSp modSp mod">
+        <pc:chgData name="Chuck Kiefriter" userId="c57348f7-b440-4861-a58f-c89f414ea74a" providerId="ADAL" clId="{CEAAE73E-A3C0-4EF3-8264-4F08772B5760}" dt="2023-03-20T00:52:59.383" v="449" actId="1038"/>
+        <pc:sldMkLst>
+          <pc:docMk/>
+          <pc:sldMk cId="3995279466" sldId="256"/>
+        </pc:sldMkLst>
+        <pc:spChg chg="mod">
+          <ac:chgData name="Chuck Kiefriter" userId="c57348f7-b440-4861-a58f-c89f414ea74a" providerId="ADAL" clId="{CEAAE73E-A3C0-4EF3-8264-4F08772B5760}" dt="2023-03-20T00:32:06.566" v="230" actId="14100"/>
+          <ac:spMkLst>
+            <pc:docMk/>
+            <pc:sldMk cId="3995279466" sldId="256"/>
+            <ac:spMk id="3" creationId="{A6B2E4B2-9556-220D-A265-44C9FD951EE6}"/>
+          </ac:spMkLst>
+        </pc:spChg>
+        <pc:spChg chg="add mod">
+          <ac:chgData name="Chuck Kiefriter" userId="c57348f7-b440-4861-a58f-c89f414ea74a" providerId="ADAL" clId="{CEAAE73E-A3C0-4EF3-8264-4F08772B5760}" dt="2023-03-20T00:52:59.383" v="449" actId="1038"/>
+          <ac:spMkLst>
+            <pc:docMk/>
+            <pc:sldMk cId="3995279466" sldId="256"/>
+            <ac:spMk id="4" creationId="{2BADD1C9-CF72-0C69-861B-7E5D509DA5B2}"/>
+          </ac:spMkLst>
+        </pc:spChg>
+        <pc:spChg chg="mod">
+          <ac:chgData name="Chuck Kiefriter" userId="c57348f7-b440-4861-a58f-c89f414ea74a" providerId="ADAL" clId="{CEAAE73E-A3C0-4EF3-8264-4F08772B5760}" dt="2023-03-19T22:41:44.062" v="187" actId="20577"/>
+          <ac:spMkLst>
+            <pc:docMk/>
+            <pc:sldMk cId="3995279466" sldId="256"/>
+            <ac:spMk id="6" creationId="{DE3DBA5A-FA8E-46C6-1402-E5C7632F4CAD}"/>
+          </ac:spMkLst>
+        </pc:spChg>
+        <pc:spChg chg="add mod">
+          <ac:chgData name="Chuck Kiefriter" userId="c57348f7-b440-4861-a58f-c89f414ea74a" providerId="ADAL" clId="{CEAAE73E-A3C0-4EF3-8264-4F08772B5760}" dt="2023-03-20T00:52:59.383" v="449" actId="1038"/>
+          <ac:spMkLst>
+            <pc:docMk/>
+            <pc:sldMk cId="3995279466" sldId="256"/>
+            <ac:spMk id="7" creationId="{4F528AA2-6361-22B4-C232-EF99675F9D72}"/>
+          </ac:spMkLst>
+        </pc:spChg>
+        <pc:spChg chg="add mod">
+          <ac:chgData name="Chuck Kiefriter" userId="c57348f7-b440-4861-a58f-c89f414ea74a" providerId="ADAL" clId="{CEAAE73E-A3C0-4EF3-8264-4F08772B5760}" dt="2023-03-20T00:52:59.383" v="449" actId="1038"/>
+          <ac:spMkLst>
+            <pc:docMk/>
+            <pc:sldMk cId="3995279466" sldId="256"/>
+            <ac:spMk id="9" creationId="{06F995E6-DACC-B060-CDB5-BB562B195537}"/>
+          </ac:spMkLst>
+        </pc:spChg>
+        <pc:spChg chg="mod">
+          <ac:chgData name="Chuck Kiefriter" userId="c57348f7-b440-4861-a58f-c89f414ea74a" providerId="ADAL" clId="{CEAAE73E-A3C0-4EF3-8264-4F08772B5760}" dt="2023-03-20T00:52:45.699" v="401" actId="1035"/>
+          <ac:spMkLst>
+            <pc:docMk/>
+            <pc:sldMk cId="3995279466" sldId="256"/>
+            <ac:spMk id="10" creationId="{EA3D5ED0-1762-C438-DD7C-B32C5582A339}"/>
+          </ac:spMkLst>
+        </pc:spChg>
+        <pc:spChg chg="del">
+          <ac:chgData name="Chuck Kiefriter" userId="c57348f7-b440-4861-a58f-c89f414ea74a" providerId="ADAL" clId="{CEAAE73E-A3C0-4EF3-8264-4F08772B5760}" dt="2023-03-19T22:42:40.760" v="188" actId="478"/>
+          <ac:spMkLst>
+            <pc:docMk/>
+            <pc:sldMk cId="3995279466" sldId="256"/>
+            <ac:spMk id="12" creationId="{18FCF58A-E768-0BFC-8A0B-3881F7F528D8}"/>
+          </ac:spMkLst>
+        </pc:spChg>
+        <pc:graphicFrameChg chg="del">
+          <ac:chgData name="Chuck Kiefriter" userId="c57348f7-b440-4861-a58f-c89f414ea74a" providerId="ADAL" clId="{CEAAE73E-A3C0-4EF3-8264-4F08772B5760}" dt="2023-03-19T22:42:40.760" v="188" actId="478"/>
+          <ac:graphicFrameMkLst>
+            <pc:docMk/>
+            <pc:sldMk cId="3995279466" sldId="256"/>
+            <ac:graphicFrameMk id="13" creationId="{BB1305A0-0446-F701-7436-EA612090B033}"/>
+          </ac:graphicFrameMkLst>
+        </pc:graphicFrameChg>
+      </pc:sldChg>
+      <pc:sldChg chg="modSp mod">
+        <pc:chgData name="Chuck Kiefriter" userId="c57348f7-b440-4861-a58f-c89f414ea74a" providerId="ADAL" clId="{CEAAE73E-A3C0-4EF3-8264-4F08772B5760}" dt="2023-03-19T22:40:49.123" v="181" actId="20577"/>
+        <pc:sldMkLst>
+          <pc:docMk/>
+          <pc:sldMk cId="3194223319" sldId="263"/>
+        </pc:sldMkLst>
+        <pc:spChg chg="mod">
+          <ac:chgData name="Chuck Kiefriter" userId="c57348f7-b440-4861-a58f-c89f414ea74a" providerId="ADAL" clId="{CEAAE73E-A3C0-4EF3-8264-4F08772B5760}" dt="2023-03-19T22:40:49.123" v="181" actId="20577"/>
+          <ac:spMkLst>
+            <pc:docMk/>
+            <pc:sldMk cId="3194223319" sldId="263"/>
+            <ac:spMk id="3" creationId="{23DFC7E9-54DD-38D7-0B9B-D34948D68CF9}"/>
+          </ac:spMkLst>
+        </pc:spChg>
+      </pc:sldChg>
+      <pc:sldChg chg="modSp mod">
+        <pc:chgData name="Chuck Kiefriter" userId="c57348f7-b440-4861-a58f-c89f414ea74a" providerId="ADAL" clId="{CEAAE73E-A3C0-4EF3-8264-4F08772B5760}" dt="2023-03-15T21:04:54.713" v="90" actId="20577"/>
+        <pc:sldMkLst>
+          <pc:docMk/>
+          <pc:sldMk cId="763182894" sldId="264"/>
+        </pc:sldMkLst>
+        <pc:spChg chg="mod">
+          <ac:chgData name="Chuck Kiefriter" userId="c57348f7-b440-4861-a58f-c89f414ea74a" providerId="ADAL" clId="{CEAAE73E-A3C0-4EF3-8264-4F08772B5760}" dt="2023-03-15T21:04:54.713" v="90" actId="20577"/>
+          <ac:spMkLst>
+            <pc:docMk/>
+            <pc:sldMk cId="763182894" sldId="264"/>
+            <ac:spMk id="3" creationId="{23DFC7E9-54DD-38D7-0B9B-D34948D68CF9}"/>
+          </ac:spMkLst>
+        </pc:spChg>
+      </pc:sldChg>
+      <pc:sldChg chg="modSp mod">
+        <pc:chgData name="Chuck Kiefriter" userId="c57348f7-b440-4861-a58f-c89f414ea74a" providerId="ADAL" clId="{CEAAE73E-A3C0-4EF3-8264-4F08772B5760}" dt="2023-03-15T21:05:03.858" v="97" actId="20577"/>
+        <pc:sldMkLst>
+          <pc:docMk/>
+          <pc:sldMk cId="367428708" sldId="265"/>
+        </pc:sldMkLst>
+        <pc:spChg chg="mod">
+          <ac:chgData name="Chuck Kiefriter" userId="c57348f7-b440-4861-a58f-c89f414ea74a" providerId="ADAL" clId="{CEAAE73E-A3C0-4EF3-8264-4F08772B5760}" dt="2023-03-15T21:05:03.858" v="97" actId="20577"/>
+          <ac:spMkLst>
+            <pc:docMk/>
+            <pc:sldMk cId="367428708" sldId="265"/>
+            <ac:spMk id="3" creationId="{23DFC7E9-54DD-38D7-0B9B-D34948D68CF9}"/>
+          </ac:spMkLst>
+        </pc:spChg>
+      </pc:sldChg>
+      <pc:sldChg chg="delSp del mod">
+        <pc:chgData name="Chuck Kiefriter" userId="c57348f7-b440-4861-a58f-c89f414ea74a" providerId="ADAL" clId="{CEAAE73E-A3C0-4EF3-8264-4F08772B5760}" dt="2023-03-20T00:56:01.589" v="451" actId="2696"/>
+        <pc:sldMkLst>
+          <pc:docMk/>
+          <pc:sldMk cId="3472760250" sldId="266"/>
+        </pc:sldMkLst>
+        <pc:picChg chg="del">
+          <ac:chgData name="Chuck Kiefriter" userId="c57348f7-b440-4861-a58f-c89f414ea74a" providerId="ADAL" clId="{CEAAE73E-A3C0-4EF3-8264-4F08772B5760}" dt="2023-03-20T00:55:53.266" v="450" actId="478"/>
+          <ac:picMkLst>
+            <pc:docMk/>
+            <pc:sldMk cId="3472760250" sldId="266"/>
+            <ac:picMk id="12" creationId="{BC86969A-DE0A-FA6D-2E0B-7566AF411A68}"/>
+          </ac:picMkLst>
+        </pc:picChg>
+      </pc:sldChg>
+      <pc:sldChg chg="modSp mod">
+        <pc:chgData name="Chuck Kiefriter" userId="c57348f7-b440-4861-a58f-c89f414ea74a" providerId="ADAL" clId="{CEAAE73E-A3C0-4EF3-8264-4F08772B5760}" dt="2023-03-15T21:05:15.266" v="104" actId="20577"/>
+        <pc:sldMkLst>
+          <pc:docMk/>
+          <pc:sldMk cId="4170465764" sldId="274"/>
+        </pc:sldMkLst>
+        <pc:spChg chg="mod">
+          <ac:chgData name="Chuck Kiefriter" userId="c57348f7-b440-4861-a58f-c89f414ea74a" providerId="ADAL" clId="{CEAAE73E-A3C0-4EF3-8264-4F08772B5760}" dt="2023-03-15T21:05:15.266" v="104" actId="20577"/>
+          <ac:spMkLst>
+            <pc:docMk/>
+            <pc:sldMk cId="4170465764" sldId="274"/>
+            <ac:spMk id="3" creationId="{23DFC7E9-54DD-38D7-0B9B-D34948D68CF9}"/>
+          </ac:spMkLst>
+        </pc:spChg>
+      </pc:sldChg>
+      <pc:sldChg chg="addSp delSp modSp mod">
+        <pc:chgData name="Chuck Kiefriter" userId="c57348f7-b440-4861-a58f-c89f414ea74a" providerId="ADAL" clId="{CEAAE73E-A3C0-4EF3-8264-4F08772B5760}" dt="2023-03-20T02:06:54.913" v="624" actId="207"/>
+        <pc:sldMkLst>
+          <pc:docMk/>
+          <pc:sldMk cId="1513494963" sldId="275"/>
+        </pc:sldMkLst>
+        <pc:spChg chg="add del">
+          <ac:chgData name="Chuck Kiefriter" userId="c57348f7-b440-4861-a58f-c89f414ea74a" providerId="ADAL" clId="{CEAAE73E-A3C0-4EF3-8264-4F08772B5760}" dt="2023-03-20T02:02:35.193" v="575"/>
+          <ac:spMkLst>
+            <pc:docMk/>
+            <pc:sldMk cId="1513494963" sldId="275"/>
+            <ac:spMk id="2" creationId="{BE46888D-AF6D-1D94-6855-0D2BDE1A167F}"/>
+          </ac:spMkLst>
+        </pc:spChg>
+        <pc:spChg chg="mod">
+          <ac:chgData name="Chuck Kiefriter" userId="c57348f7-b440-4861-a58f-c89f414ea74a" providerId="ADAL" clId="{CEAAE73E-A3C0-4EF3-8264-4F08772B5760}" dt="2023-03-20T02:06:54.913" v="624" actId="207"/>
+          <ac:spMkLst>
+            <pc:docMk/>
+            <pc:sldMk cId="1513494963" sldId="275"/>
+            <ac:spMk id="5" creationId="{9DB63145-E59C-9501-8AA5-4E6AC5C0D40F}"/>
+          </ac:spMkLst>
+        </pc:spChg>
+        <pc:spChg chg="mod">
+          <ac:chgData name="Chuck Kiefriter" userId="c57348f7-b440-4861-a58f-c89f414ea74a" providerId="ADAL" clId="{CEAAE73E-A3C0-4EF3-8264-4F08772B5760}" dt="2023-03-20T02:02:54.072" v="598" actId="20577"/>
+          <ac:spMkLst>
+            <pc:docMk/>
+            <pc:sldMk cId="1513494963" sldId="275"/>
+            <ac:spMk id="6" creationId="{59E906CD-110B-9D01-732C-2F21759B0265}"/>
+          </ac:spMkLst>
+        </pc:spChg>
+        <pc:picChg chg="del">
+          <ac:chgData name="Chuck Kiefriter" userId="c57348f7-b440-4861-a58f-c89f414ea74a" providerId="ADAL" clId="{CEAAE73E-A3C0-4EF3-8264-4F08772B5760}" dt="2023-03-20T02:02:29.241" v="573" actId="478"/>
+          <ac:picMkLst>
+            <pc:docMk/>
+            <pc:sldMk cId="1513494963" sldId="275"/>
+            <ac:picMk id="3" creationId="{0E14C303-4A08-9E3D-827C-D6CF995E9C7A}"/>
+          </ac:picMkLst>
+        </pc:picChg>
+      </pc:sldChg>
+      <pc:sldChg chg="addSp delSp modSp mod">
+        <pc:chgData name="Chuck Kiefriter" userId="c57348f7-b440-4861-a58f-c89f414ea74a" providerId="ADAL" clId="{CEAAE73E-A3C0-4EF3-8264-4F08772B5760}" dt="2023-03-20T01:40:14.037" v="572" actId="1035"/>
+        <pc:sldMkLst>
+          <pc:docMk/>
+          <pc:sldMk cId="976671966" sldId="278"/>
+        </pc:sldMkLst>
+        <pc:spChg chg="add mod">
+          <ac:chgData name="Chuck Kiefriter" userId="c57348f7-b440-4861-a58f-c89f414ea74a" providerId="ADAL" clId="{CEAAE73E-A3C0-4EF3-8264-4F08772B5760}" dt="2023-03-20T01:39:58.996" v="563" actId="1076"/>
+          <ac:spMkLst>
+            <pc:docMk/>
+            <pc:sldMk cId="976671966" sldId="278"/>
+            <ac:spMk id="3" creationId="{AECD1743-AE1E-E8A6-57D4-D340FC95D16D}"/>
+          </ac:spMkLst>
+        </pc:spChg>
+        <pc:spChg chg="mod">
+          <ac:chgData name="Chuck Kiefriter" userId="c57348f7-b440-4861-a58f-c89f414ea74a" providerId="ADAL" clId="{CEAAE73E-A3C0-4EF3-8264-4F08772B5760}" dt="2023-03-20T01:39:21.020" v="555" actId="1038"/>
+          <ac:spMkLst>
+            <pc:docMk/>
+            <pc:sldMk cId="976671966" sldId="278"/>
+            <ac:spMk id="4" creationId="{C0B26727-0F97-5A73-B4ED-6BE65E07E5DB}"/>
+          </ac:spMkLst>
+        </pc:spChg>
+        <pc:spChg chg="mod">
+          <ac:chgData name="Chuck Kiefriter" userId="c57348f7-b440-4861-a58f-c89f414ea74a" providerId="ADAL" clId="{CEAAE73E-A3C0-4EF3-8264-4F08772B5760}" dt="2023-03-20T01:06:07.991" v="518" actId="1076"/>
+          <ac:spMkLst>
+            <pc:docMk/>
+            <pc:sldMk cId="976671966" sldId="278"/>
+            <ac:spMk id="6" creationId="{59E906CD-110B-9D01-732C-2F21759B0265}"/>
+          </ac:spMkLst>
+        </pc:spChg>
+        <pc:spChg chg="add mod">
+          <ac:chgData name="Chuck Kiefriter" userId="c57348f7-b440-4861-a58f-c89f414ea74a" providerId="ADAL" clId="{CEAAE73E-A3C0-4EF3-8264-4F08772B5760}" dt="2023-03-20T01:40:14.037" v="572" actId="1035"/>
+          <ac:spMkLst>
+            <pc:docMk/>
+            <pc:sldMk cId="976671966" sldId="278"/>
+            <ac:spMk id="7" creationId="{5DAF20F1-2F34-F140-81DA-E78BF03C81E4}"/>
+          </ac:spMkLst>
+        </pc:spChg>
+        <pc:picChg chg="del">
+          <ac:chgData name="Chuck Kiefriter" userId="c57348f7-b440-4861-a58f-c89f414ea74a" providerId="ADAL" clId="{CEAAE73E-A3C0-4EF3-8264-4F08772B5760}" dt="2023-03-20T00:56:04.277" v="452" actId="478"/>
+          <ac:picMkLst>
+            <pc:docMk/>
+            <pc:sldMk cId="976671966" sldId="278"/>
+            <ac:picMk id="12" creationId="{EDDB08A4-A3C1-182F-A00B-0BE97F3C502C}"/>
+          </ac:picMkLst>
+        </pc:picChg>
+      </pc:sldChg>
+      <pc:sldChg chg="del">
+        <pc:chgData name="Chuck Kiefriter" userId="c57348f7-b440-4861-a58f-c89f414ea74a" providerId="ADAL" clId="{CEAAE73E-A3C0-4EF3-8264-4F08772B5760}" dt="2023-03-20T02:31:42.639" v="625" actId="47"/>
+        <pc:sldMkLst>
+          <pc:docMk/>
+          <pc:sldMk cId="3402929522" sldId="279"/>
+        </pc:sldMkLst>
+      </pc:sldChg>
+      <pc:sldChg chg="modSp mod">
+        <pc:chgData name="Chuck Kiefriter" userId="c57348f7-b440-4861-a58f-c89f414ea74a" providerId="ADAL" clId="{CEAAE73E-A3C0-4EF3-8264-4F08772B5760}" dt="2023-03-15T21:05:31.946" v="118" actId="20577"/>
+        <pc:sldMkLst>
+          <pc:docMk/>
+          <pc:sldMk cId="3395566764" sldId="280"/>
+        </pc:sldMkLst>
+        <pc:spChg chg="mod">
+          <ac:chgData name="Chuck Kiefriter" userId="c57348f7-b440-4861-a58f-c89f414ea74a" providerId="ADAL" clId="{CEAAE73E-A3C0-4EF3-8264-4F08772B5760}" dt="2023-03-15T21:05:31.946" v="118" actId="20577"/>
+          <ac:spMkLst>
+            <pc:docMk/>
+            <pc:sldMk cId="3395566764" sldId="280"/>
+            <ac:spMk id="3" creationId="{23DFC7E9-54DD-38D7-0B9B-D34948D68CF9}"/>
+          </ac:spMkLst>
+        </pc:spChg>
+      </pc:sldChg>
+      <pc:sldChg chg="addSp delSp modSp mod">
+        <pc:chgData name="Chuck Kiefriter" userId="c57348f7-b440-4861-a58f-c89f414ea74a" providerId="ADAL" clId="{CEAAE73E-A3C0-4EF3-8264-4F08772B5760}" dt="2023-03-21T22:58:27.146" v="986" actId="1076"/>
+        <pc:sldMkLst>
+          <pc:docMk/>
+          <pc:sldMk cId="3187156049" sldId="281"/>
+        </pc:sldMkLst>
+        <pc:spChg chg="add del mod">
+          <ac:chgData name="Chuck Kiefriter" userId="c57348f7-b440-4861-a58f-c89f414ea74a" providerId="ADAL" clId="{CEAAE73E-A3C0-4EF3-8264-4F08772B5760}" dt="2023-03-21T22:58:23.744" v="985" actId="478"/>
+          <ac:spMkLst>
+            <pc:docMk/>
+            <pc:sldMk cId="3187156049" sldId="281"/>
+            <ac:spMk id="3" creationId="{B1BCC113-17B8-CD92-4AF4-0B14B609C3EC}"/>
+          </ac:spMkLst>
+        </pc:spChg>
+        <pc:spChg chg="add mod">
+          <ac:chgData name="Chuck Kiefriter" userId="c57348f7-b440-4861-a58f-c89f414ea74a" providerId="ADAL" clId="{CEAAE73E-A3C0-4EF3-8264-4F08772B5760}" dt="2023-03-21T22:53:21.514" v="780" actId="1076"/>
+          <ac:spMkLst>
+            <pc:docMk/>
+            <pc:sldMk cId="3187156049" sldId="281"/>
+            <ac:spMk id="4" creationId="{5F4890C8-248C-DE3F-EFBE-A4EB3744954C}"/>
+          </ac:spMkLst>
+        </pc:spChg>
+        <pc:spChg chg="del mod">
+          <ac:chgData name="Chuck Kiefriter" userId="c57348f7-b440-4861-a58f-c89f414ea74a" providerId="ADAL" clId="{CEAAE73E-A3C0-4EF3-8264-4F08772B5760}" dt="2023-03-21T22:44:00.025" v="764" actId="478"/>
+          <ac:spMkLst>
+            <pc:docMk/>
+            <pc:sldMk cId="3187156049" sldId="281"/>
+            <ac:spMk id="5" creationId="{9DB63145-E59C-9501-8AA5-4E6AC5C0D40F}"/>
+          </ac:spMkLst>
+        </pc:spChg>
+        <pc:spChg chg="mod">
+          <ac:chgData name="Chuck Kiefriter" userId="c57348f7-b440-4861-a58f-c89f414ea74a" providerId="ADAL" clId="{CEAAE73E-A3C0-4EF3-8264-4F08772B5760}" dt="2023-03-20T04:34:19.666" v="743" actId="20577"/>
+          <ac:spMkLst>
+            <pc:docMk/>
+            <pc:sldMk cId="3187156049" sldId="281"/>
+            <ac:spMk id="6" creationId="{59E906CD-110B-9D01-732C-2F21759B0265}"/>
+          </ac:spMkLst>
+        </pc:spChg>
+        <pc:spChg chg="add mod">
+          <ac:chgData name="Chuck Kiefriter" userId="c57348f7-b440-4861-a58f-c89f414ea74a" providerId="ADAL" clId="{CEAAE73E-A3C0-4EF3-8264-4F08772B5760}" dt="2023-03-21T22:54:53.559" v="895" actId="1076"/>
+          <ac:spMkLst>
+            <pc:docMk/>
+            <pc:sldMk cId="3187156049" sldId="281"/>
+            <ac:spMk id="8" creationId="{C70D9D43-254A-0545-002D-C444DCDB15AD}"/>
+          </ac:spMkLst>
+        </pc:spChg>
+        <pc:spChg chg="add del">
+          <ac:chgData name="Chuck Kiefriter" userId="c57348f7-b440-4861-a58f-c89f414ea74a" providerId="ADAL" clId="{CEAAE73E-A3C0-4EF3-8264-4F08772B5760}" dt="2023-03-21T22:52:46.609" v="772"/>
+          <ac:spMkLst>
+            <pc:docMk/>
+            <pc:sldMk cId="3187156049" sldId="281"/>
+            <ac:spMk id="9" creationId="{D91EFD97-7B32-CAFA-DA27-56C69DD1B8B9}"/>
+          </ac:spMkLst>
+        </pc:spChg>
+        <pc:spChg chg="add mod">
+          <ac:chgData name="Chuck Kiefriter" userId="c57348f7-b440-4861-a58f-c89f414ea74a" providerId="ADAL" clId="{CEAAE73E-A3C0-4EF3-8264-4F08772B5760}" dt="2023-03-21T22:57:14.137" v="981" actId="1076"/>
+          <ac:spMkLst>
+            <pc:docMk/>
+            <pc:sldMk cId="3187156049" sldId="281"/>
+            <ac:spMk id="11" creationId="{FBFF1272-6FED-ACD0-CEF8-E11B1DD3B48B}"/>
+          </ac:spMkLst>
+        </pc:spChg>
+        <pc:spChg chg="add mod">
+          <ac:chgData name="Chuck Kiefriter" userId="c57348f7-b440-4861-a58f-c89f414ea74a" providerId="ADAL" clId="{CEAAE73E-A3C0-4EF3-8264-4F08772B5760}" dt="2023-03-21T22:58:27.146" v="986" actId="1076"/>
+          <ac:spMkLst>
+            <pc:docMk/>
+            <pc:sldMk cId="3187156049" sldId="281"/>
+            <ac:spMk id="13" creationId="{54490E19-5FDF-8610-D214-65ABB5B29ACD}"/>
+          </ac:spMkLst>
+        </pc:spChg>
+        <pc:picChg chg="del">
+          <ac:chgData name="Chuck Kiefriter" userId="c57348f7-b440-4861-a58f-c89f414ea74a" providerId="ADAL" clId="{CEAAE73E-A3C0-4EF3-8264-4F08772B5760}" dt="2023-03-20T04:34:21.482" v="744" actId="478"/>
+          <ac:picMkLst>
+            <pc:docMk/>
+            <pc:sldMk cId="3187156049" sldId="281"/>
+            <ac:picMk id="3" creationId="{83E4109A-5F0E-62C4-2DDC-A1744C5BE6B5}"/>
+          </ac:picMkLst>
+        </pc:picChg>
+      </pc:sldChg>
+      <pc:sldChg chg="modSp mod">
+        <pc:chgData name="Chuck Kiefriter" userId="c57348f7-b440-4861-a58f-c89f414ea74a" providerId="ADAL" clId="{CEAAE73E-A3C0-4EF3-8264-4F08772B5760}" dt="2023-03-15T21:06:00.300" v="163" actId="20577"/>
+        <pc:sldMkLst>
+          <pc:docMk/>
+          <pc:sldMk cId="2065140228" sldId="282"/>
+        </pc:sldMkLst>
+        <pc:spChg chg="mod">
+          <ac:chgData name="Chuck Kiefriter" userId="c57348f7-b440-4861-a58f-c89f414ea74a" providerId="ADAL" clId="{CEAAE73E-A3C0-4EF3-8264-4F08772B5760}" dt="2023-03-15T21:06:00.300" v="163" actId="20577"/>
+          <ac:spMkLst>
+            <pc:docMk/>
+            <pc:sldMk cId="2065140228" sldId="282"/>
+            <ac:spMk id="3" creationId="{23DFC7E9-54DD-38D7-0B9B-D34948D68CF9}"/>
+          </ac:spMkLst>
+        </pc:spChg>
+      </pc:sldChg>
+      <pc:sldChg chg="delSp modSp mod">
+        <pc:chgData name="Chuck Kiefriter" userId="c57348f7-b440-4861-a58f-c89f414ea74a" providerId="ADAL" clId="{CEAAE73E-A3C0-4EF3-8264-4F08772B5760}" dt="2023-03-21T23:02:03.008" v="988" actId="6549"/>
+        <pc:sldMkLst>
+          <pc:docMk/>
+          <pc:sldMk cId="1885158462" sldId="283"/>
+        </pc:sldMkLst>
+        <pc:spChg chg="mod">
+          <ac:chgData name="Chuck Kiefriter" userId="c57348f7-b440-4861-a58f-c89f414ea74a" providerId="ADAL" clId="{CEAAE73E-A3C0-4EF3-8264-4F08772B5760}" dt="2023-03-21T23:02:03.008" v="988" actId="6549"/>
+          <ac:spMkLst>
+            <pc:docMk/>
+            <pc:sldMk cId="1885158462" sldId="283"/>
+            <ac:spMk id="5" creationId="{9DB63145-E59C-9501-8AA5-4E6AC5C0D40F}"/>
+          </ac:spMkLst>
+        </pc:spChg>
+        <pc:spChg chg="mod">
+          <ac:chgData name="Chuck Kiefriter" userId="c57348f7-b440-4861-a58f-c89f414ea74a" providerId="ADAL" clId="{CEAAE73E-A3C0-4EF3-8264-4F08772B5760}" dt="2023-03-20T02:33:34.475" v="658" actId="20577"/>
+          <ac:spMkLst>
+            <pc:docMk/>
+            <pc:sldMk cId="1885158462" sldId="283"/>
+            <ac:spMk id="6" creationId="{59E906CD-110B-9D01-732C-2F21759B0265}"/>
+          </ac:spMkLst>
+        </pc:spChg>
+        <pc:spChg chg="del">
+          <ac:chgData name="Chuck Kiefriter" userId="c57348f7-b440-4861-a58f-c89f414ea74a" providerId="ADAL" clId="{CEAAE73E-A3C0-4EF3-8264-4F08772B5760}" dt="2023-03-20T02:33:47.335" v="661" actId="478"/>
+          <ac:spMkLst>
+            <pc:docMk/>
+            <pc:sldMk cId="1885158462" sldId="283"/>
+            <ac:spMk id="8" creationId="{ECD506A8-B7B8-3E79-FA2D-BD62C204B827}"/>
+          </ac:spMkLst>
+        </pc:spChg>
+        <pc:picChg chg="del">
+          <ac:chgData name="Chuck Kiefriter" userId="c57348f7-b440-4861-a58f-c89f414ea74a" providerId="ADAL" clId="{CEAAE73E-A3C0-4EF3-8264-4F08772B5760}" dt="2023-03-20T02:33:38.052" v="659" actId="478"/>
+          <ac:picMkLst>
+            <pc:docMk/>
+            <pc:sldMk cId="1885158462" sldId="283"/>
+            <ac:picMk id="4" creationId="{7C9F3104-C66F-0189-6D64-A0BDCF1B495F}"/>
+          </ac:picMkLst>
+        </pc:picChg>
+      </pc:sldChg>
+      <pc:sldChg chg="del">
+        <pc:chgData name="Chuck Kiefriter" userId="c57348f7-b440-4861-a58f-c89f414ea74a" providerId="ADAL" clId="{CEAAE73E-A3C0-4EF3-8264-4F08772B5760}" dt="2023-03-20T04:03:18.428" v="665" actId="47"/>
+        <pc:sldMkLst>
+          <pc:docMk/>
+          <pc:sldMk cId="356231122" sldId="284"/>
+        </pc:sldMkLst>
+      </pc:sldChg>
+      <pc:sldChg chg="addSp modSp add mod">
+        <pc:chgData name="Chuck Kiefriter" userId="c57348f7-b440-4861-a58f-c89f414ea74a" providerId="ADAL" clId="{CEAAE73E-A3C0-4EF3-8264-4F08772B5760}" dt="2023-03-20T00:39:44.108" v="365" actId="14100"/>
+        <pc:sldMkLst>
+          <pc:docMk/>
+          <pc:sldMk cId="460794980" sldId="285"/>
+        </pc:sldMkLst>
+        <pc:spChg chg="add mod">
+          <ac:chgData name="Chuck Kiefriter" userId="c57348f7-b440-4861-a58f-c89f414ea74a" providerId="ADAL" clId="{CEAAE73E-A3C0-4EF3-8264-4F08772B5760}" dt="2023-03-20T00:37:53.726" v="352" actId="1076"/>
+          <ac:spMkLst>
+            <pc:docMk/>
+            <pc:sldMk cId="460794980" sldId="285"/>
+            <ac:spMk id="4" creationId="{0A9C3E86-2548-ECB5-8430-3E2B6C004107}"/>
+          </ac:spMkLst>
+        </pc:spChg>
+        <pc:spChg chg="mod">
+          <ac:chgData name="Chuck Kiefriter" userId="c57348f7-b440-4861-a58f-c89f414ea74a" providerId="ADAL" clId="{CEAAE73E-A3C0-4EF3-8264-4F08772B5760}" dt="2023-03-20T00:28:09.677" v="229" actId="20577"/>
+          <ac:spMkLst>
+            <pc:docMk/>
+            <pc:sldMk cId="460794980" sldId="285"/>
+            <ac:spMk id="6" creationId="{DE3DBA5A-FA8E-46C6-1402-E5C7632F4CAD}"/>
+          </ac:spMkLst>
+        </pc:spChg>
+        <pc:spChg chg="add mod">
+          <ac:chgData name="Chuck Kiefriter" userId="c57348f7-b440-4861-a58f-c89f414ea74a" providerId="ADAL" clId="{CEAAE73E-A3C0-4EF3-8264-4F08772B5760}" dt="2023-03-20T00:37:53.726" v="352" actId="1076"/>
+          <ac:spMkLst>
+            <pc:docMk/>
+            <pc:sldMk cId="460794980" sldId="285"/>
+            <ac:spMk id="7" creationId="{6078F001-09B3-95A6-FBBF-049E24348AA3}"/>
+          </ac:spMkLst>
+        </pc:spChg>
+        <pc:spChg chg="mod">
+          <ac:chgData name="Chuck Kiefriter" userId="c57348f7-b440-4861-a58f-c89f414ea74a" providerId="ADAL" clId="{CEAAE73E-A3C0-4EF3-8264-4F08772B5760}" dt="2023-03-20T00:36:05.988" v="344" actId="207"/>
+          <ac:spMkLst>
+            <pc:docMk/>
+            <pc:sldMk cId="460794980" sldId="285"/>
+            <ac:spMk id="10" creationId="{EA3D5ED0-1762-C438-DD7C-B32C5582A339}"/>
+          </ac:spMkLst>
+        </pc:spChg>
+        <pc:picChg chg="add mod">
+          <ac:chgData name="Chuck Kiefriter" userId="c57348f7-b440-4861-a58f-c89f414ea74a" providerId="ADAL" clId="{CEAAE73E-A3C0-4EF3-8264-4F08772B5760}" dt="2023-03-20T00:39:44.108" v="365" actId="14100"/>
+          <ac:picMkLst>
+            <pc:docMk/>
+            <pc:sldMk cId="460794980" sldId="285"/>
+            <ac:picMk id="9" creationId="{951D6567-EE71-636D-5131-1733E9CA3EE1}"/>
+          </ac:picMkLst>
+        </pc:picChg>
+        <pc:picChg chg="add mod">
+          <ac:chgData name="Chuck Kiefriter" userId="c57348f7-b440-4861-a58f-c89f414ea74a" providerId="ADAL" clId="{CEAAE73E-A3C0-4EF3-8264-4F08772B5760}" dt="2023-03-20T00:39:41.309" v="364" actId="1076"/>
+          <ac:picMkLst>
+            <pc:docMk/>
+            <pc:sldMk cId="460794980" sldId="285"/>
+            <ac:picMk id="12" creationId="{75DBF1A8-6B47-A236-0E35-BCD7AC30E1AC}"/>
+          </ac:picMkLst>
+        </pc:picChg>
+      </pc:sldChg>
+      <pc:sldChg chg="modSp add mod">
+        <pc:chgData name="Chuck Kiefriter" userId="c57348f7-b440-4861-a58f-c89f414ea74a" providerId="ADAL" clId="{CEAAE73E-A3C0-4EF3-8264-4F08772B5760}" dt="2023-03-20T04:03:46.401" v="693" actId="1076"/>
+        <pc:sldMkLst>
+          <pc:docMk/>
+          <pc:sldMk cId="1155090792" sldId="286"/>
+        </pc:sldMkLst>
+        <pc:spChg chg="mod">
+          <ac:chgData name="Chuck Kiefriter" userId="c57348f7-b440-4861-a58f-c89f414ea74a" providerId="ADAL" clId="{CEAAE73E-A3C0-4EF3-8264-4F08772B5760}" dt="2023-03-20T04:03:46.401" v="693" actId="1076"/>
+          <ac:spMkLst>
+            <pc:docMk/>
+            <pc:sldMk cId="1155090792" sldId="286"/>
+            <ac:spMk id="3" creationId="{23DFC7E9-54DD-38D7-0B9B-D34948D68CF9}"/>
+          </ac:spMkLst>
+        </pc:spChg>
+      </pc:sldChg>
+      <pc:sldChg chg="addSp modSp add mod">
+        <pc:chgData name="Chuck Kiefriter" userId="c57348f7-b440-4861-a58f-c89f414ea74a" providerId="ADAL" clId="{CEAAE73E-A3C0-4EF3-8264-4F08772B5760}" dt="2023-03-20T04:06:13.253" v="729" actId="1076"/>
+        <pc:sldMkLst>
+          <pc:docMk/>
+          <pc:sldMk cId="424094208" sldId="287"/>
+        </pc:sldMkLst>
+        <pc:spChg chg="add mod">
+          <ac:chgData name="Chuck Kiefriter" userId="c57348f7-b440-4861-a58f-c89f414ea74a" providerId="ADAL" clId="{CEAAE73E-A3C0-4EF3-8264-4F08772B5760}" dt="2023-03-20T04:06:13.253" v="729" actId="1076"/>
+          <ac:spMkLst>
+            <pc:docMk/>
+            <pc:sldMk cId="424094208" sldId="287"/>
+            <ac:spMk id="3" creationId="{FF9F9172-C924-1C79-FA1B-3659223D7D26}"/>
+          </ac:spMkLst>
+        </pc:spChg>
+        <pc:spChg chg="mod">
+          <ac:chgData name="Chuck Kiefriter" userId="c57348f7-b440-4861-a58f-c89f414ea74a" providerId="ADAL" clId="{CEAAE73E-A3C0-4EF3-8264-4F08772B5760}" dt="2023-03-20T04:04:56.478" v="721" actId="6549"/>
+          <ac:spMkLst>
+            <pc:docMk/>
+            <pc:sldMk cId="424094208" sldId="287"/>
+            <ac:spMk id="5" creationId="{9DB63145-E59C-9501-8AA5-4E6AC5C0D40F}"/>
+          </ac:spMkLst>
+        </pc:spChg>
+        <pc:spChg chg="mod">
+          <ac:chgData name="Chuck Kiefriter" userId="c57348f7-b440-4861-a58f-c89f414ea74a" providerId="ADAL" clId="{CEAAE73E-A3C0-4EF3-8264-4F08772B5760}" dt="2023-03-20T04:03:56.659" v="717" actId="20577"/>
+          <ac:spMkLst>
+            <pc:docMk/>
+            <pc:sldMk cId="424094208" sldId="287"/>
+            <ac:spMk id="6" creationId="{59E906CD-110B-9D01-732C-2F21759B0265}"/>
+          </ac:spMkLst>
+        </pc:spChg>
+      </pc:sldChg>
+    </pc:docChg>
+  </pc:docChgLst>
   <pc:docChgLst>
     <pc:chgData name="Chuck Kiefriter" userId="c57348f7-b440-4861-a58f-c89f414ea74a" providerId="ADAL" clId="{C2FDF4A5-FE03-4269-B12C-3FB90C87A25C}"/>
     <pc:docChg chg="undo custSel addSld delSld modSld">
@@ -1246,623 +2383,6 @@
     </pc:docChg>
   </pc:docChgLst>
   <pc:docChgLst>
-    <pc:chgData name="Chuck Kiefriter" userId="c57348f7-b440-4861-a58f-c89f414ea74a" providerId="ADAL" clId="{C11307D8-F416-4216-B85A-47312E9494DC}"/>
-    <pc:docChg chg="undo custSel addSld delSld modSld sldOrd">
-      <pc:chgData name="Chuck Kiefriter" userId="c57348f7-b440-4861-a58f-c89f414ea74a" providerId="ADAL" clId="{C11307D8-F416-4216-B85A-47312E9494DC}" dt="2023-04-05T01:39:50.392" v="1445" actId="1076"/>
-      <pc:docMkLst>
-        <pc:docMk/>
-      </pc:docMkLst>
-      <pc:sldChg chg="delSp modSp mod">
-        <pc:chgData name="Chuck Kiefriter" userId="c57348f7-b440-4861-a58f-c89f414ea74a" providerId="ADAL" clId="{C11307D8-F416-4216-B85A-47312E9494DC}" dt="2023-04-04T22:40:58.023" v="1441" actId="20577"/>
-        <pc:sldMkLst>
-          <pc:docMk/>
-          <pc:sldMk cId="3995279466" sldId="256"/>
-        </pc:sldMkLst>
-        <pc:spChg chg="mod">
-          <ac:chgData name="Chuck Kiefriter" userId="c57348f7-b440-4861-a58f-c89f414ea74a" providerId="ADAL" clId="{C11307D8-F416-4216-B85A-47312E9494DC}" dt="2023-04-02T22:19:13.359" v="199" actId="14100"/>
-          <ac:spMkLst>
-            <pc:docMk/>
-            <pc:sldMk cId="3995279466" sldId="256"/>
-            <ac:spMk id="6" creationId="{DE3DBA5A-FA8E-46C6-1402-E5C7632F4CAD}"/>
-          </ac:spMkLst>
-        </pc:spChg>
-        <pc:spChg chg="mod">
-          <ac:chgData name="Chuck Kiefriter" userId="c57348f7-b440-4861-a58f-c89f414ea74a" providerId="ADAL" clId="{C11307D8-F416-4216-B85A-47312E9494DC}" dt="2023-04-04T22:40:58.023" v="1441" actId="20577"/>
-          <ac:spMkLst>
-            <pc:docMk/>
-            <pc:sldMk cId="3995279466" sldId="256"/>
-            <ac:spMk id="10" creationId="{EA3D5ED0-1762-C438-DD7C-B32C5582A339}"/>
-          </ac:spMkLst>
-        </pc:spChg>
-        <pc:spChg chg="del">
-          <ac:chgData name="Chuck Kiefriter" userId="c57348f7-b440-4861-a58f-c89f414ea74a" providerId="ADAL" clId="{C11307D8-F416-4216-B85A-47312E9494DC}" dt="2023-04-02T22:23:05.499" v="213" actId="478"/>
-          <ac:spMkLst>
-            <pc:docMk/>
-            <pc:sldMk cId="3995279466" sldId="256"/>
-            <ac:spMk id="11" creationId="{8C44B216-C75C-0589-1A08-E1736DCD43C5}"/>
-          </ac:spMkLst>
-        </pc:spChg>
-        <pc:picChg chg="del">
-          <ac:chgData name="Chuck Kiefriter" userId="c57348f7-b440-4861-a58f-c89f414ea74a" providerId="ADAL" clId="{C11307D8-F416-4216-B85A-47312E9494DC}" dt="2023-04-02T22:19:15.896" v="200" actId="478"/>
-          <ac:picMkLst>
-            <pc:docMk/>
-            <pc:sldMk cId="3995279466" sldId="256"/>
-            <ac:picMk id="5" creationId="{C730C03D-0D57-7578-992D-93F2E9FFBCB8}"/>
-          </ac:picMkLst>
-        </pc:picChg>
-      </pc:sldChg>
-      <pc:sldChg chg="modSp mod">
-        <pc:chgData name="Chuck Kiefriter" userId="c57348f7-b440-4861-a58f-c89f414ea74a" providerId="ADAL" clId="{C11307D8-F416-4216-B85A-47312E9494DC}" dt="2023-04-02T22:18:27.703" v="153" actId="20577"/>
-        <pc:sldMkLst>
-          <pc:docMk/>
-          <pc:sldMk cId="3194223319" sldId="263"/>
-        </pc:sldMkLst>
-        <pc:spChg chg="mod">
-          <ac:chgData name="Chuck Kiefriter" userId="c57348f7-b440-4861-a58f-c89f414ea74a" providerId="ADAL" clId="{C11307D8-F416-4216-B85A-47312E9494DC}" dt="2023-04-02T22:18:27.703" v="153" actId="20577"/>
-          <ac:spMkLst>
-            <pc:docMk/>
-            <pc:sldMk cId="3194223319" sldId="263"/>
-            <ac:spMk id="3" creationId="{23DFC7E9-54DD-38D7-0B9B-D34948D68CF9}"/>
-          </ac:spMkLst>
-        </pc:spChg>
-      </pc:sldChg>
-      <pc:sldChg chg="modSp mod">
-        <pc:chgData name="Chuck Kiefriter" userId="c57348f7-b440-4861-a58f-c89f414ea74a" providerId="ADAL" clId="{C11307D8-F416-4216-B85A-47312E9494DC}" dt="2023-04-02T22:18:46.219" v="157" actId="14100"/>
-        <pc:sldMkLst>
-          <pc:docMk/>
-          <pc:sldMk cId="763182894" sldId="264"/>
-        </pc:sldMkLst>
-        <pc:spChg chg="mod">
-          <ac:chgData name="Chuck Kiefriter" userId="c57348f7-b440-4861-a58f-c89f414ea74a" providerId="ADAL" clId="{C11307D8-F416-4216-B85A-47312E9494DC}" dt="2023-04-02T22:18:46.219" v="157" actId="14100"/>
-          <ac:spMkLst>
-            <pc:docMk/>
-            <pc:sldMk cId="763182894" sldId="264"/>
-            <ac:spMk id="3" creationId="{23DFC7E9-54DD-38D7-0B9B-D34948D68CF9}"/>
-          </ac:spMkLst>
-        </pc:spChg>
-      </pc:sldChg>
-      <pc:sldChg chg="modSp mod">
-        <pc:chgData name="Chuck Kiefriter" userId="c57348f7-b440-4861-a58f-c89f414ea74a" providerId="ADAL" clId="{C11307D8-F416-4216-B85A-47312E9494DC}" dt="2023-04-03T15:01:38.405" v="654" actId="20577"/>
-        <pc:sldMkLst>
-          <pc:docMk/>
-          <pc:sldMk cId="367428708" sldId="265"/>
-        </pc:sldMkLst>
-        <pc:spChg chg="mod">
-          <ac:chgData name="Chuck Kiefriter" userId="c57348f7-b440-4861-a58f-c89f414ea74a" providerId="ADAL" clId="{C11307D8-F416-4216-B85A-47312E9494DC}" dt="2023-04-03T15:01:38.405" v="654" actId="20577"/>
-          <ac:spMkLst>
-            <pc:docMk/>
-            <pc:sldMk cId="367428708" sldId="265"/>
-            <ac:spMk id="3" creationId="{23DFC7E9-54DD-38D7-0B9B-D34948D68CF9}"/>
-          </ac:spMkLst>
-        </pc:spChg>
-      </pc:sldChg>
-      <pc:sldChg chg="addSp delSp modSp mod">
-        <pc:chgData name="Chuck Kiefriter" userId="c57348f7-b440-4861-a58f-c89f414ea74a" providerId="ADAL" clId="{C11307D8-F416-4216-B85A-47312E9494DC}" dt="2023-04-04T18:57:23.796" v="1425" actId="207"/>
-        <pc:sldMkLst>
-          <pc:docMk/>
-          <pc:sldMk cId="976671966" sldId="278"/>
-        </pc:sldMkLst>
-        <pc:spChg chg="add mod">
-          <ac:chgData name="Chuck Kiefriter" userId="c57348f7-b440-4861-a58f-c89f414ea74a" providerId="ADAL" clId="{C11307D8-F416-4216-B85A-47312E9494DC}" dt="2023-04-03T15:28:39.411" v="808" actId="1038"/>
-          <ac:spMkLst>
-            <pc:docMk/>
-            <pc:sldMk cId="976671966" sldId="278"/>
-            <ac:spMk id="3" creationId="{C9DDF84E-4B1D-A8C8-4D2B-5582BF58B0D3}"/>
-          </ac:spMkLst>
-        </pc:spChg>
-        <pc:spChg chg="mod">
-          <ac:chgData name="Chuck Kiefriter" userId="c57348f7-b440-4861-a58f-c89f414ea74a" providerId="ADAL" clId="{C11307D8-F416-4216-B85A-47312E9494DC}" dt="2023-04-04T18:57:23.796" v="1425" actId="207"/>
-          <ac:spMkLst>
-            <pc:docMk/>
-            <pc:sldMk cId="976671966" sldId="278"/>
-            <ac:spMk id="4" creationId="{C0B26727-0F97-5A73-B4ED-6BE65E07E5DB}"/>
-          </ac:spMkLst>
-        </pc:spChg>
-        <pc:spChg chg="del">
-          <ac:chgData name="Chuck Kiefriter" userId="c57348f7-b440-4861-a58f-c89f414ea74a" providerId="ADAL" clId="{C11307D8-F416-4216-B85A-47312E9494DC}" dt="2023-04-03T15:02:16.058" v="665" actId="478"/>
-          <ac:spMkLst>
-            <pc:docMk/>
-            <pc:sldMk cId="976671966" sldId="278"/>
-            <ac:spMk id="5" creationId="{983625D7-1156-1D51-0A49-6B0357B75EF4}"/>
-          </ac:spMkLst>
-        </pc:spChg>
-        <pc:spChg chg="mod">
-          <ac:chgData name="Chuck Kiefriter" userId="c57348f7-b440-4861-a58f-c89f414ea74a" providerId="ADAL" clId="{C11307D8-F416-4216-B85A-47312E9494DC}" dt="2023-04-03T15:02:10.368" v="664" actId="20577"/>
-          <ac:spMkLst>
-            <pc:docMk/>
-            <pc:sldMk cId="976671966" sldId="278"/>
-            <ac:spMk id="6" creationId="{59E906CD-110B-9D01-732C-2F21759B0265}"/>
-          </ac:spMkLst>
-        </pc:spChg>
-        <pc:spChg chg="add mod">
-          <ac:chgData name="Chuck Kiefriter" userId="c57348f7-b440-4861-a58f-c89f414ea74a" providerId="ADAL" clId="{C11307D8-F416-4216-B85A-47312E9494DC}" dt="2023-04-03T17:15:25.128" v="1318" actId="1076"/>
-          <ac:spMkLst>
-            <pc:docMk/>
-            <pc:sldMk cId="976671966" sldId="278"/>
-            <ac:spMk id="8" creationId="{9FF17257-FCFA-B5FD-1F98-96E3F7F501FF}"/>
-          </ac:spMkLst>
-        </pc:spChg>
-        <pc:spChg chg="del">
-          <ac:chgData name="Chuck Kiefriter" userId="c57348f7-b440-4861-a58f-c89f414ea74a" providerId="ADAL" clId="{C11307D8-F416-4216-B85A-47312E9494DC}" dt="2023-04-03T15:02:16.058" v="665" actId="478"/>
-          <ac:spMkLst>
-            <pc:docMk/>
-            <pc:sldMk cId="976671966" sldId="278"/>
-            <ac:spMk id="9" creationId="{E3EBAC68-1411-42B9-71E1-6CD3E49066B5}"/>
-          </ac:spMkLst>
-        </pc:spChg>
-      </pc:sldChg>
-      <pc:sldChg chg="modSp mod">
-        <pc:chgData name="Chuck Kiefriter" userId="c57348f7-b440-4861-a58f-c89f414ea74a" providerId="ADAL" clId="{C11307D8-F416-4216-B85A-47312E9494DC}" dt="2023-04-03T17:20:27.754" v="1333" actId="20577"/>
-        <pc:sldMkLst>
-          <pc:docMk/>
-          <pc:sldMk cId="1155090792" sldId="286"/>
-        </pc:sldMkLst>
-        <pc:spChg chg="mod">
-          <ac:chgData name="Chuck Kiefriter" userId="c57348f7-b440-4861-a58f-c89f414ea74a" providerId="ADAL" clId="{C11307D8-F416-4216-B85A-47312E9494DC}" dt="2023-04-03T17:20:27.754" v="1333" actId="20577"/>
-          <ac:spMkLst>
-            <pc:docMk/>
-            <pc:sldMk cId="1155090792" sldId="286"/>
-            <ac:spMk id="3" creationId="{23DFC7E9-54DD-38D7-0B9B-D34948D68CF9}"/>
-          </ac:spMkLst>
-        </pc:spChg>
-      </pc:sldChg>
-      <pc:sldChg chg="modSp mod">
-        <pc:chgData name="Chuck Kiefriter" userId="c57348f7-b440-4861-a58f-c89f414ea74a" providerId="ADAL" clId="{C11307D8-F416-4216-B85A-47312E9494DC}" dt="2023-04-03T18:49:25.647" v="1381" actId="20577"/>
-        <pc:sldMkLst>
-          <pc:docMk/>
-          <pc:sldMk cId="424094208" sldId="287"/>
-        </pc:sldMkLst>
-        <pc:spChg chg="mod">
-          <ac:chgData name="Chuck Kiefriter" userId="c57348f7-b440-4861-a58f-c89f414ea74a" providerId="ADAL" clId="{C11307D8-F416-4216-B85A-47312E9494DC}" dt="2023-04-03T18:49:25.647" v="1381" actId="20577"/>
-          <ac:spMkLst>
-            <pc:docMk/>
-            <pc:sldMk cId="424094208" sldId="287"/>
-            <ac:spMk id="5" creationId="{9DB63145-E59C-9501-8AA5-4E6AC5C0D40F}"/>
-          </ac:spMkLst>
-        </pc:spChg>
-      </pc:sldChg>
-      <pc:sldChg chg="del">
-        <pc:chgData name="Chuck Kiefriter" userId="c57348f7-b440-4861-a58f-c89f414ea74a" providerId="ADAL" clId="{C11307D8-F416-4216-B85A-47312E9494DC}" dt="2023-04-02T22:24:00.552" v="217" actId="47"/>
-        <pc:sldMkLst>
-          <pc:docMk/>
-          <pc:sldMk cId="834285187" sldId="288"/>
-        </pc:sldMkLst>
-      </pc:sldChg>
-      <pc:sldChg chg="del">
-        <pc:chgData name="Chuck Kiefriter" userId="c57348f7-b440-4861-a58f-c89f414ea74a" providerId="ADAL" clId="{C11307D8-F416-4216-B85A-47312E9494DC}" dt="2023-04-03T15:08:27.437" v="744" actId="47"/>
-        <pc:sldMkLst>
-          <pc:docMk/>
-          <pc:sldMk cId="3007476099" sldId="289"/>
-        </pc:sldMkLst>
-      </pc:sldChg>
-      <pc:sldChg chg="del">
-        <pc:chgData name="Chuck Kiefriter" userId="c57348f7-b440-4861-a58f-c89f414ea74a" providerId="ADAL" clId="{C11307D8-F416-4216-B85A-47312E9494DC}" dt="2023-04-03T15:08:28.915" v="745" actId="47"/>
-        <pc:sldMkLst>
-          <pc:docMk/>
-          <pc:sldMk cId="2491041013" sldId="290"/>
-        </pc:sldMkLst>
-      </pc:sldChg>
-      <pc:sldChg chg="del">
-        <pc:chgData name="Chuck Kiefriter" userId="c57348f7-b440-4861-a58f-c89f414ea74a" providerId="ADAL" clId="{C11307D8-F416-4216-B85A-47312E9494DC}" dt="2023-04-03T15:08:29.838" v="746" actId="47"/>
-        <pc:sldMkLst>
-          <pc:docMk/>
-          <pc:sldMk cId="491903796" sldId="291"/>
-        </pc:sldMkLst>
-      </pc:sldChg>
-      <pc:sldChg chg="del">
-        <pc:chgData name="Chuck Kiefriter" userId="c57348f7-b440-4861-a58f-c89f414ea74a" providerId="ADAL" clId="{C11307D8-F416-4216-B85A-47312E9494DC}" dt="2023-04-03T15:08:31.482" v="747" actId="47"/>
-        <pc:sldMkLst>
-          <pc:docMk/>
-          <pc:sldMk cId="1538833485" sldId="292"/>
-        </pc:sldMkLst>
-      </pc:sldChg>
-      <pc:sldChg chg="addSp modSp add mod">
-        <pc:chgData name="Chuck Kiefriter" userId="c57348f7-b440-4861-a58f-c89f414ea74a" providerId="ADAL" clId="{C11307D8-F416-4216-B85A-47312E9494DC}" dt="2023-04-04T22:37:32.693" v="1436" actId="1076"/>
-        <pc:sldMkLst>
-          <pc:docMk/>
-          <pc:sldMk cId="250210305" sldId="293"/>
-        </pc:sldMkLst>
-        <pc:spChg chg="mod">
-          <ac:chgData name="Chuck Kiefriter" userId="c57348f7-b440-4861-a58f-c89f414ea74a" providerId="ADAL" clId="{C11307D8-F416-4216-B85A-47312E9494DC}" dt="2023-04-02T22:25:04.220" v="238" actId="20577"/>
-          <ac:spMkLst>
-            <pc:docMk/>
-            <pc:sldMk cId="250210305" sldId="293"/>
-            <ac:spMk id="6" creationId="{DE3DBA5A-FA8E-46C6-1402-E5C7632F4CAD}"/>
-          </ac:spMkLst>
-        </pc:spChg>
-        <pc:spChg chg="mod">
-          <ac:chgData name="Chuck Kiefriter" userId="c57348f7-b440-4861-a58f-c89f414ea74a" providerId="ADAL" clId="{C11307D8-F416-4216-B85A-47312E9494DC}" dt="2023-04-02T22:34:44.575" v="335" actId="1036"/>
-          <ac:spMkLst>
-            <pc:docMk/>
-            <pc:sldMk cId="250210305" sldId="293"/>
-            <ac:spMk id="10" creationId="{EA3D5ED0-1762-C438-DD7C-B32C5582A339}"/>
-          </ac:spMkLst>
-        </pc:spChg>
-        <pc:graphicFrameChg chg="add mod modGraphic">
-          <ac:chgData name="Chuck Kiefriter" userId="c57348f7-b440-4861-a58f-c89f414ea74a" providerId="ADAL" clId="{C11307D8-F416-4216-B85A-47312E9494DC}" dt="2023-04-02T22:34:15.597" v="311" actId="207"/>
-          <ac:graphicFrameMkLst>
-            <pc:docMk/>
-            <pc:sldMk cId="250210305" sldId="293"/>
-            <ac:graphicFrameMk id="2" creationId="{37BDF7BB-E95F-A1D6-91B0-C82B570617A0}"/>
-          </ac:graphicFrameMkLst>
-        </pc:graphicFrameChg>
-        <pc:picChg chg="add mod">
-          <ac:chgData name="Chuck Kiefriter" userId="c57348f7-b440-4861-a58f-c89f414ea74a" providerId="ADAL" clId="{C11307D8-F416-4216-B85A-47312E9494DC}" dt="2023-04-02T22:31:46.068" v="292" actId="1076"/>
-          <ac:picMkLst>
-            <pc:docMk/>
-            <pc:sldMk cId="250210305" sldId="293"/>
-            <ac:picMk id="4" creationId="{7CB28188-CD37-F6A4-6D3C-70765550BD6C}"/>
-          </ac:picMkLst>
-        </pc:picChg>
-        <pc:picChg chg="add mod">
-          <ac:chgData name="Chuck Kiefriter" userId="c57348f7-b440-4861-a58f-c89f414ea74a" providerId="ADAL" clId="{C11307D8-F416-4216-B85A-47312E9494DC}" dt="2023-04-04T22:37:32.693" v="1436" actId="1076"/>
-          <ac:picMkLst>
-            <pc:docMk/>
-            <pc:sldMk cId="250210305" sldId="293"/>
-            <ac:picMk id="5" creationId="{53DF2F7F-7B17-ADB3-6B4E-639563DF2A2A}"/>
-          </ac:picMkLst>
-        </pc:picChg>
-      </pc:sldChg>
-      <pc:sldChg chg="addSp delSp modSp add mod">
-        <pc:chgData name="Chuck Kiefriter" userId="c57348f7-b440-4861-a58f-c89f414ea74a" providerId="ADAL" clId="{C11307D8-F416-4216-B85A-47312E9494DC}" dt="2023-04-02T23:08:14.894" v="563" actId="207"/>
-        <pc:sldMkLst>
-          <pc:docMk/>
-          <pc:sldMk cId="2393746750" sldId="294"/>
-        </pc:sldMkLst>
-        <pc:spChg chg="add mod">
-          <ac:chgData name="Chuck Kiefriter" userId="c57348f7-b440-4861-a58f-c89f414ea74a" providerId="ADAL" clId="{C11307D8-F416-4216-B85A-47312E9494DC}" dt="2023-04-02T22:57:18.640" v="499" actId="1076"/>
-          <ac:spMkLst>
-            <pc:docMk/>
-            <pc:sldMk cId="2393746750" sldId="294"/>
-            <ac:spMk id="5" creationId="{2F91AB46-91B6-D008-FAC4-1461717C6E0C}"/>
-          </ac:spMkLst>
-        </pc:spChg>
-        <pc:spChg chg="mod">
-          <ac:chgData name="Chuck Kiefriter" userId="c57348f7-b440-4861-a58f-c89f414ea74a" providerId="ADAL" clId="{C11307D8-F416-4216-B85A-47312E9494DC}" dt="2023-04-02T22:47:27.050" v="410" actId="20577"/>
-          <ac:spMkLst>
-            <pc:docMk/>
-            <pc:sldMk cId="2393746750" sldId="294"/>
-            <ac:spMk id="6" creationId="{DE3DBA5A-FA8E-46C6-1402-E5C7632F4CAD}"/>
-          </ac:spMkLst>
-        </pc:spChg>
-        <pc:spChg chg="add mod">
-          <ac:chgData name="Chuck Kiefriter" userId="c57348f7-b440-4861-a58f-c89f414ea74a" providerId="ADAL" clId="{C11307D8-F416-4216-B85A-47312E9494DC}" dt="2023-04-02T23:05:15.025" v="512" actId="1076"/>
-          <ac:spMkLst>
-            <pc:docMk/>
-            <pc:sldMk cId="2393746750" sldId="294"/>
-            <ac:spMk id="8" creationId="{D447757E-C9A6-66AC-8AF6-FAEF70B9920F}"/>
-          </ac:spMkLst>
-        </pc:spChg>
-        <pc:spChg chg="mod">
-          <ac:chgData name="Chuck Kiefriter" userId="c57348f7-b440-4861-a58f-c89f414ea74a" providerId="ADAL" clId="{C11307D8-F416-4216-B85A-47312E9494DC}" dt="2023-04-02T23:08:14.894" v="563" actId="207"/>
-          <ac:spMkLst>
-            <pc:docMk/>
-            <pc:sldMk cId="2393746750" sldId="294"/>
-            <ac:spMk id="10" creationId="{EA3D5ED0-1762-C438-DD7C-B32C5582A339}"/>
-          </ac:spMkLst>
-        </pc:spChg>
-        <pc:spChg chg="add mod">
-          <ac:chgData name="Chuck Kiefriter" userId="c57348f7-b440-4861-a58f-c89f414ea74a" providerId="ADAL" clId="{C11307D8-F416-4216-B85A-47312E9494DC}" dt="2023-04-02T23:05:37.879" v="515" actId="14100"/>
-          <ac:spMkLst>
-            <pc:docMk/>
-            <pc:sldMk cId="2393746750" sldId="294"/>
-            <ac:spMk id="11" creationId="{18375F9A-28E2-5B4B-53E5-365BF1F164F0}"/>
-          </ac:spMkLst>
-        </pc:spChg>
-        <pc:spChg chg="add mod">
-          <ac:chgData name="Chuck Kiefriter" userId="c57348f7-b440-4861-a58f-c89f414ea74a" providerId="ADAL" clId="{C11307D8-F416-4216-B85A-47312E9494DC}" dt="2023-04-02T23:06:07.710" v="536" actId="1036"/>
-          <ac:spMkLst>
-            <pc:docMk/>
-            <pc:sldMk cId="2393746750" sldId="294"/>
-            <ac:spMk id="13" creationId="{61BB3492-71A0-D931-F8EC-53AE6AE410A9}"/>
-          </ac:spMkLst>
-        </pc:spChg>
-        <pc:graphicFrameChg chg="del">
-          <ac:chgData name="Chuck Kiefriter" userId="c57348f7-b440-4861-a58f-c89f414ea74a" providerId="ADAL" clId="{C11307D8-F416-4216-B85A-47312E9494DC}" dt="2023-04-02T22:46:54.432" v="388" actId="478"/>
-          <ac:graphicFrameMkLst>
-            <pc:docMk/>
-            <pc:sldMk cId="2393746750" sldId="294"/>
-            <ac:graphicFrameMk id="2" creationId="{37BDF7BB-E95F-A1D6-91B0-C82B570617A0}"/>
-          </ac:graphicFrameMkLst>
-        </pc:graphicFrameChg>
-        <pc:picChg chg="del">
-          <ac:chgData name="Chuck Kiefriter" userId="c57348f7-b440-4861-a58f-c89f414ea74a" providerId="ADAL" clId="{C11307D8-F416-4216-B85A-47312E9494DC}" dt="2023-04-02T22:46:57.054" v="389" actId="478"/>
-          <ac:picMkLst>
-            <pc:docMk/>
-            <pc:sldMk cId="2393746750" sldId="294"/>
-            <ac:picMk id="4" creationId="{7CB28188-CD37-F6A4-6D3C-70765550BD6C}"/>
-          </ac:picMkLst>
-        </pc:picChg>
-      </pc:sldChg>
-      <pc:sldChg chg="modSp add mod">
-        <pc:chgData name="Chuck Kiefriter" userId="c57348f7-b440-4861-a58f-c89f414ea74a" providerId="ADAL" clId="{C11307D8-F416-4216-B85A-47312E9494DC}" dt="2023-04-02T23:11:48.745" v="585" actId="5793"/>
-        <pc:sldMkLst>
-          <pc:docMk/>
-          <pc:sldMk cId="3934503907" sldId="295"/>
-        </pc:sldMkLst>
-        <pc:spChg chg="mod">
-          <ac:chgData name="Chuck Kiefriter" userId="c57348f7-b440-4861-a58f-c89f414ea74a" providerId="ADAL" clId="{C11307D8-F416-4216-B85A-47312E9494DC}" dt="2023-04-02T23:09:06.656" v="565" actId="6549"/>
-          <ac:spMkLst>
-            <pc:docMk/>
-            <pc:sldMk cId="3934503907" sldId="295"/>
-            <ac:spMk id="6" creationId="{DE3DBA5A-FA8E-46C6-1402-E5C7632F4CAD}"/>
-          </ac:spMkLst>
-        </pc:spChg>
-        <pc:spChg chg="mod">
-          <ac:chgData name="Chuck Kiefriter" userId="c57348f7-b440-4861-a58f-c89f414ea74a" providerId="ADAL" clId="{C11307D8-F416-4216-B85A-47312E9494DC}" dt="2023-04-02T23:11:48.745" v="585" actId="5793"/>
-          <ac:spMkLst>
-            <pc:docMk/>
-            <pc:sldMk cId="3934503907" sldId="295"/>
-            <ac:spMk id="10" creationId="{EA3D5ED0-1762-C438-DD7C-B32C5582A339}"/>
-          </ac:spMkLst>
-        </pc:spChg>
-      </pc:sldChg>
-      <pc:sldChg chg="addSp modSp add mod">
-        <pc:chgData name="Chuck Kiefriter" userId="c57348f7-b440-4861-a58f-c89f414ea74a" providerId="ADAL" clId="{C11307D8-F416-4216-B85A-47312E9494DC}" dt="2023-04-03T18:11:13.271" v="1353" actId="6549"/>
-        <pc:sldMkLst>
-          <pc:docMk/>
-          <pc:sldMk cId="1076239930" sldId="296"/>
-        </pc:sldMkLst>
-        <pc:spChg chg="add mod">
-          <ac:chgData name="Chuck Kiefriter" userId="c57348f7-b440-4861-a58f-c89f414ea74a" providerId="ADAL" clId="{C11307D8-F416-4216-B85A-47312E9494DC}" dt="2023-04-03T15:00:52.531" v="644" actId="1076"/>
-          <ac:spMkLst>
-            <pc:docMk/>
-            <pc:sldMk cId="1076239930" sldId="296"/>
-            <ac:spMk id="3" creationId="{4147B091-8768-D6A8-FF68-DEC06014D579}"/>
-          </ac:spMkLst>
-        </pc:spChg>
-        <pc:spChg chg="mod">
-          <ac:chgData name="Chuck Kiefriter" userId="c57348f7-b440-4861-a58f-c89f414ea74a" providerId="ADAL" clId="{C11307D8-F416-4216-B85A-47312E9494DC}" dt="2023-04-03T15:00:29.665" v="640" actId="1035"/>
-          <ac:spMkLst>
-            <pc:docMk/>
-            <pc:sldMk cId="1076239930" sldId="296"/>
-            <ac:spMk id="6" creationId="{DE3DBA5A-FA8E-46C6-1402-E5C7632F4CAD}"/>
-          </ac:spMkLst>
-        </pc:spChg>
-        <pc:spChg chg="mod">
-          <ac:chgData name="Chuck Kiefriter" userId="c57348f7-b440-4861-a58f-c89f414ea74a" providerId="ADAL" clId="{C11307D8-F416-4216-B85A-47312E9494DC}" dt="2023-04-03T18:11:13.271" v="1353" actId="6549"/>
-          <ac:spMkLst>
-            <pc:docMk/>
-            <pc:sldMk cId="1076239930" sldId="296"/>
-            <ac:spMk id="10" creationId="{EA3D5ED0-1762-C438-DD7C-B32C5582A339}"/>
-          </ac:spMkLst>
-        </pc:spChg>
-      </pc:sldChg>
-      <pc:sldChg chg="addSp delSp modSp add mod">
-        <pc:chgData name="Chuck Kiefriter" userId="c57348f7-b440-4861-a58f-c89f414ea74a" providerId="ADAL" clId="{C11307D8-F416-4216-B85A-47312E9494DC}" dt="2023-04-04T18:58:19.446" v="1426" actId="207"/>
-        <pc:sldMkLst>
-          <pc:docMk/>
-          <pc:sldMk cId="2586908395" sldId="297"/>
-        </pc:sldMkLst>
-        <pc:spChg chg="add del">
-          <ac:chgData name="Chuck Kiefriter" userId="c57348f7-b440-4861-a58f-c89f414ea74a" providerId="ADAL" clId="{C11307D8-F416-4216-B85A-47312E9494DC}" dt="2023-04-03T15:12:27.009" v="762"/>
-          <ac:spMkLst>
-            <pc:docMk/>
-            <pc:sldMk cId="2586908395" sldId="297"/>
-            <ac:spMk id="2" creationId="{3F616592-3C02-0860-84A0-E3BEDB39760F}"/>
-          </ac:spMkLst>
-        </pc:spChg>
-        <pc:spChg chg="mod">
-          <ac:chgData name="Chuck Kiefriter" userId="c57348f7-b440-4861-a58f-c89f414ea74a" providerId="ADAL" clId="{C11307D8-F416-4216-B85A-47312E9494DC}" dt="2023-04-04T18:58:19.446" v="1426" actId="207"/>
-          <ac:spMkLst>
-            <pc:docMk/>
-            <pc:sldMk cId="2586908395" sldId="297"/>
-            <ac:spMk id="4" creationId="{C0B26727-0F97-5A73-B4ED-6BE65E07E5DB}"/>
-          </ac:spMkLst>
-        </pc:spChg>
-        <pc:spChg chg="add mod">
-          <ac:chgData name="Chuck Kiefriter" userId="c57348f7-b440-4861-a58f-c89f414ea74a" providerId="ADAL" clId="{C11307D8-F416-4216-B85A-47312E9494DC}" dt="2023-04-03T15:28:43.603" v="809"/>
-          <ac:spMkLst>
-            <pc:docMk/>
-            <pc:sldMk cId="2586908395" sldId="297"/>
-            <ac:spMk id="7" creationId="{E4F67DC1-6682-DCC5-09F9-0D3C65052F99}"/>
-          </ac:spMkLst>
-        </pc:spChg>
-        <pc:picChg chg="add mod">
-          <ac:chgData name="Chuck Kiefriter" userId="c57348f7-b440-4861-a58f-c89f414ea74a" providerId="ADAL" clId="{C11307D8-F416-4216-B85A-47312E9494DC}" dt="2023-04-03T15:28:53.796" v="836" actId="1035"/>
-          <ac:picMkLst>
-            <pc:docMk/>
-            <pc:sldMk cId="2586908395" sldId="297"/>
-            <ac:picMk id="5" creationId="{A70A8141-972B-8FEE-B70B-882D3DD31F46}"/>
-          </ac:picMkLst>
-        </pc:picChg>
-      </pc:sldChg>
-      <pc:sldChg chg="addSp delSp modSp add mod">
-        <pc:chgData name="Chuck Kiefriter" userId="c57348f7-b440-4861-a58f-c89f414ea74a" providerId="ADAL" clId="{C11307D8-F416-4216-B85A-47312E9494DC}" dt="2023-04-03T15:29:37.311" v="840" actId="115"/>
-        <pc:sldMkLst>
-          <pc:docMk/>
-          <pc:sldMk cId="1731529612" sldId="298"/>
-        </pc:sldMkLst>
-        <pc:spChg chg="mod">
-          <ac:chgData name="Chuck Kiefriter" userId="c57348f7-b440-4861-a58f-c89f414ea74a" providerId="ADAL" clId="{C11307D8-F416-4216-B85A-47312E9494DC}" dt="2023-04-03T15:29:37.311" v="840" actId="115"/>
-          <ac:spMkLst>
-            <pc:docMk/>
-            <pc:sldMk cId="1731529612" sldId="298"/>
-            <ac:spMk id="4" creationId="{C0B26727-0F97-5A73-B4ED-6BE65E07E5DB}"/>
-          </ac:spMkLst>
-        </pc:spChg>
-        <pc:spChg chg="add mod">
-          <ac:chgData name="Chuck Kiefriter" userId="c57348f7-b440-4861-a58f-c89f414ea74a" providerId="ADAL" clId="{C11307D8-F416-4216-B85A-47312E9494DC}" dt="2023-04-03T15:28:57.894" v="837"/>
-          <ac:spMkLst>
-            <pc:docMk/>
-            <pc:sldMk cId="1731529612" sldId="298"/>
-            <ac:spMk id="7" creationId="{81EDE05F-B22E-686F-2292-BF6CA2A0BD87}"/>
-          </ac:spMkLst>
-        </pc:spChg>
-        <pc:picChg chg="add mod">
-          <ac:chgData name="Chuck Kiefriter" userId="c57348f7-b440-4861-a58f-c89f414ea74a" providerId="ADAL" clId="{C11307D8-F416-4216-B85A-47312E9494DC}" dt="2023-04-03T15:29:05.082" v="839" actId="1076"/>
-          <ac:picMkLst>
-            <pc:docMk/>
-            <pc:sldMk cId="1731529612" sldId="298"/>
-            <ac:picMk id="3" creationId="{E2697A41-77D9-6BEA-7880-1DBD268ED34C}"/>
-          </ac:picMkLst>
-        </pc:picChg>
-        <pc:picChg chg="del">
-          <ac:chgData name="Chuck Kiefriter" userId="c57348f7-b440-4861-a58f-c89f414ea74a" providerId="ADAL" clId="{C11307D8-F416-4216-B85A-47312E9494DC}" dt="2023-04-03T15:22:11.665" v="790" actId="478"/>
-          <ac:picMkLst>
-            <pc:docMk/>
-            <pc:sldMk cId="1731529612" sldId="298"/>
-            <ac:picMk id="5" creationId="{A70A8141-972B-8FEE-B70B-882D3DD31F46}"/>
-          </ac:picMkLst>
-        </pc:picChg>
-      </pc:sldChg>
-      <pc:sldChg chg="addSp delSp modSp add mod">
-        <pc:chgData name="Chuck Kiefriter" userId="c57348f7-b440-4861-a58f-c89f414ea74a" providerId="ADAL" clId="{C11307D8-F416-4216-B85A-47312E9494DC}" dt="2023-04-04T20:45:30.493" v="1433" actId="1076"/>
-        <pc:sldMkLst>
-          <pc:docMk/>
-          <pc:sldMk cId="12263916" sldId="299"/>
-        </pc:sldMkLst>
-        <pc:spChg chg="add mod">
-          <ac:chgData name="Chuck Kiefriter" userId="c57348f7-b440-4861-a58f-c89f414ea74a" providerId="ADAL" clId="{C11307D8-F416-4216-B85A-47312E9494DC}" dt="2023-04-04T20:45:30.493" v="1433" actId="1076"/>
-          <ac:spMkLst>
-            <pc:docMk/>
-            <pc:sldMk cId="12263916" sldId="299"/>
-            <ac:spMk id="2" creationId="{05E39B88-6490-5C54-C767-A0E91A8F373F}"/>
-          </ac:spMkLst>
-        </pc:spChg>
-        <pc:spChg chg="mod">
-          <ac:chgData name="Chuck Kiefriter" userId="c57348f7-b440-4861-a58f-c89f414ea74a" providerId="ADAL" clId="{C11307D8-F416-4216-B85A-47312E9494DC}" dt="2023-04-04T19:00:59.565" v="1427" actId="6549"/>
-          <ac:spMkLst>
-            <pc:docMk/>
-            <pc:sldMk cId="12263916" sldId="299"/>
-            <ac:spMk id="4" creationId="{C0B26727-0F97-5A73-B4ED-6BE65E07E5DB}"/>
-          </ac:spMkLst>
-        </pc:spChg>
-        <pc:spChg chg="mod">
-          <ac:chgData name="Chuck Kiefriter" userId="c57348f7-b440-4861-a58f-c89f414ea74a" providerId="ADAL" clId="{C11307D8-F416-4216-B85A-47312E9494DC}" dt="2023-04-03T15:33:43.577" v="892" actId="14100"/>
-          <ac:spMkLst>
-            <pc:docMk/>
-            <pc:sldMk cId="12263916" sldId="299"/>
-            <ac:spMk id="6" creationId="{59E906CD-110B-9D01-732C-2F21759B0265}"/>
-          </ac:spMkLst>
-        </pc:spChg>
-        <pc:spChg chg="del">
-          <ac:chgData name="Chuck Kiefriter" userId="c57348f7-b440-4861-a58f-c89f414ea74a" providerId="ADAL" clId="{C11307D8-F416-4216-B85A-47312E9494DC}" dt="2023-04-03T15:33:49.188" v="894" actId="478"/>
-          <ac:spMkLst>
-            <pc:docMk/>
-            <pc:sldMk cId="12263916" sldId="299"/>
-            <ac:spMk id="7" creationId="{81EDE05F-B22E-686F-2292-BF6CA2A0BD87}"/>
-          </ac:spMkLst>
-        </pc:spChg>
-        <pc:picChg chg="del">
-          <ac:chgData name="Chuck Kiefriter" userId="c57348f7-b440-4861-a58f-c89f414ea74a" providerId="ADAL" clId="{C11307D8-F416-4216-B85A-47312E9494DC}" dt="2023-04-03T15:33:46.266" v="893" actId="478"/>
-          <ac:picMkLst>
-            <pc:docMk/>
-            <pc:sldMk cId="12263916" sldId="299"/>
-            <ac:picMk id="3" creationId="{E2697A41-77D9-6BEA-7880-1DBD268ED34C}"/>
-          </ac:picMkLst>
-        </pc:picChg>
-      </pc:sldChg>
-      <pc:sldChg chg="addSp modSp add mod">
-        <pc:chgData name="Chuck Kiefriter" userId="c57348f7-b440-4861-a58f-c89f414ea74a" providerId="ADAL" clId="{C11307D8-F416-4216-B85A-47312E9494DC}" dt="2023-04-03T17:15:51.867" v="1320" actId="1076"/>
-        <pc:sldMkLst>
-          <pc:docMk/>
-          <pc:sldMk cId="2285577035" sldId="300"/>
-        </pc:sldMkLst>
-        <pc:spChg chg="add mod">
-          <ac:chgData name="Chuck Kiefriter" userId="c57348f7-b440-4861-a58f-c89f414ea74a" providerId="ADAL" clId="{C11307D8-F416-4216-B85A-47312E9494DC}" dt="2023-04-03T17:15:51.867" v="1320" actId="1076"/>
-          <ac:spMkLst>
-            <pc:docMk/>
-            <pc:sldMk cId="2285577035" sldId="300"/>
-            <ac:spMk id="2" creationId="{2292BC77-EAED-98AF-CC12-6B2F561FA457}"/>
-          </ac:spMkLst>
-        </pc:spChg>
-        <pc:spChg chg="mod">
-          <ac:chgData name="Chuck Kiefriter" userId="c57348f7-b440-4861-a58f-c89f414ea74a" providerId="ADAL" clId="{C11307D8-F416-4216-B85A-47312E9494DC}" dt="2023-04-03T15:54:36.687" v="1219" actId="20577"/>
-          <ac:spMkLst>
-            <pc:docMk/>
-            <pc:sldMk cId="2285577035" sldId="300"/>
-            <ac:spMk id="4" creationId="{C0B26727-0F97-5A73-B4ED-6BE65E07E5DB}"/>
-          </ac:spMkLst>
-        </pc:spChg>
-      </pc:sldChg>
-      <pc:sldChg chg="modSp add mod">
-        <pc:chgData name="Chuck Kiefriter" userId="c57348f7-b440-4861-a58f-c89f414ea74a" providerId="ADAL" clId="{C11307D8-F416-4216-B85A-47312E9494DC}" dt="2023-04-03T15:57:12.701" v="1314" actId="2711"/>
-        <pc:sldMkLst>
-          <pc:docMk/>
-          <pc:sldMk cId="3976039359" sldId="301"/>
-        </pc:sldMkLst>
-        <pc:spChg chg="mod">
-          <ac:chgData name="Chuck Kiefriter" userId="c57348f7-b440-4861-a58f-c89f414ea74a" providerId="ADAL" clId="{C11307D8-F416-4216-B85A-47312E9494DC}" dt="2023-04-03T15:57:12.701" v="1314" actId="2711"/>
-          <ac:spMkLst>
-            <pc:docMk/>
-            <pc:sldMk cId="3976039359" sldId="301"/>
-            <ac:spMk id="4" creationId="{C0B26727-0F97-5A73-B4ED-6BE65E07E5DB}"/>
-          </ac:spMkLst>
-        </pc:spChg>
-      </pc:sldChg>
-      <pc:sldChg chg="add">
-        <pc:chgData name="Chuck Kiefriter" userId="c57348f7-b440-4861-a58f-c89f414ea74a" providerId="ADAL" clId="{C11307D8-F416-4216-B85A-47312E9494DC}" dt="2023-04-03T17:20:19.963" v="1321" actId="2890"/>
-        <pc:sldMkLst>
-          <pc:docMk/>
-          <pc:sldMk cId="4183596226" sldId="302"/>
-        </pc:sldMkLst>
-      </pc:sldChg>
-      <pc:sldChg chg="addSp delSp modSp add mod ord">
-        <pc:chgData name="Chuck Kiefriter" userId="c57348f7-b440-4861-a58f-c89f414ea74a" providerId="ADAL" clId="{C11307D8-F416-4216-B85A-47312E9494DC}" dt="2023-04-03T18:58:14.568" v="1424" actId="20577"/>
-        <pc:sldMkLst>
-          <pc:docMk/>
-          <pc:sldMk cId="3551399501" sldId="303"/>
-        </pc:sldMkLst>
-        <pc:spChg chg="add del">
-          <ac:chgData name="Chuck Kiefriter" userId="c57348f7-b440-4861-a58f-c89f414ea74a" providerId="ADAL" clId="{C11307D8-F416-4216-B85A-47312E9494DC}" dt="2023-04-03T18:20:13.989" v="1365"/>
-          <ac:spMkLst>
-            <pc:docMk/>
-            <pc:sldMk cId="3551399501" sldId="303"/>
-            <ac:spMk id="2" creationId="{E2153FEC-75DF-CAC0-FEA3-C66E491898A2}"/>
-          </ac:spMkLst>
-        </pc:spChg>
-        <pc:spChg chg="mod">
-          <ac:chgData name="Chuck Kiefriter" userId="c57348f7-b440-4861-a58f-c89f414ea74a" providerId="ADAL" clId="{C11307D8-F416-4216-B85A-47312E9494DC}" dt="2023-04-03T18:58:14.568" v="1424" actId="20577"/>
-          <ac:spMkLst>
-            <pc:docMk/>
-            <pc:sldMk cId="3551399501" sldId="303"/>
-            <ac:spMk id="4" creationId="{C0B26727-0F97-5A73-B4ED-6BE65E07E5DB}"/>
-          </ac:spMkLst>
-        </pc:spChg>
-        <pc:spChg chg="add mod">
-          <ac:chgData name="Chuck Kiefriter" userId="c57348f7-b440-4861-a58f-c89f414ea74a" providerId="ADAL" clId="{C11307D8-F416-4216-B85A-47312E9494DC}" dt="2023-04-03T18:46:22.450" v="1378" actId="1076"/>
-          <ac:spMkLst>
-            <pc:docMk/>
-            <pc:sldMk cId="3551399501" sldId="303"/>
-            <ac:spMk id="5" creationId="{20F6CBEF-9110-814A-F1E8-8EDD591B1904}"/>
-          </ac:spMkLst>
-        </pc:spChg>
-        <pc:spChg chg="mod">
-          <ac:chgData name="Chuck Kiefriter" userId="c57348f7-b440-4861-a58f-c89f414ea74a" providerId="ADAL" clId="{C11307D8-F416-4216-B85A-47312E9494DC}" dt="2023-04-03T17:21:43.237" v="1352" actId="20577"/>
-          <ac:spMkLst>
-            <pc:docMk/>
-            <pc:sldMk cId="3551399501" sldId="303"/>
-            <ac:spMk id="6" creationId="{59E906CD-110B-9D01-732C-2F21759B0265}"/>
-          </ac:spMkLst>
-        </pc:spChg>
-      </pc:sldChg>
-      <pc:sldChg chg="addSp delSp modSp add mod">
-        <pc:chgData name="Chuck Kiefriter" userId="c57348f7-b440-4861-a58f-c89f414ea74a" providerId="ADAL" clId="{C11307D8-F416-4216-B85A-47312E9494DC}" dt="2023-04-05T01:39:50.392" v="1445" actId="1076"/>
-        <pc:sldMkLst>
-          <pc:docMk/>
-          <pc:sldMk cId="3119538790" sldId="304"/>
-        </pc:sldMkLst>
-        <pc:spChg chg="del">
-          <ac:chgData name="Chuck Kiefriter" userId="c57348f7-b440-4861-a58f-c89f414ea74a" providerId="ADAL" clId="{C11307D8-F416-4216-B85A-47312E9494DC}" dt="2023-04-05T01:39:47.689" v="1443" actId="478"/>
-          <ac:spMkLst>
-            <pc:docMk/>
-            <pc:sldMk cId="3119538790" sldId="304"/>
-            <ac:spMk id="4" creationId="{C0B26727-0F97-5A73-B4ED-6BE65E07E5DB}"/>
-          </ac:spMkLst>
-        </pc:spChg>
-        <pc:picChg chg="add mod">
-          <ac:chgData name="Chuck Kiefriter" userId="c57348f7-b440-4861-a58f-c89f414ea74a" providerId="ADAL" clId="{C11307D8-F416-4216-B85A-47312E9494DC}" dt="2023-04-05T01:39:50.392" v="1445" actId="1076"/>
-          <ac:picMkLst>
-            <pc:docMk/>
-            <pc:sldMk cId="3119538790" sldId="304"/>
-            <ac:picMk id="5" creationId="{6A37CBD8-6224-F786-CA2E-BFD9FDE0E68A}"/>
-          </ac:picMkLst>
-        </pc:picChg>
-      </pc:sldChg>
-    </pc:docChg>
-  </pc:docChgLst>
-  <pc:docChgLst>
     <pc:chgData name="Chuck Kiefriter" userId="c57348f7-b440-4861-a58f-c89f414ea74a" providerId="ADAL" clId="{37C172F0-1901-4A15-8AEE-DBE5FBC11EEA}"/>
     <pc:docChg chg="custSel addSld delSld modSld">
       <pc:chgData name="Chuck Kiefriter" userId="c57348f7-b440-4861-a58f-c89f414ea74a" providerId="ADAL" clId="{37C172F0-1901-4A15-8AEE-DBE5FBC11EEA}" dt="2023-04-10T02:11:52.167" v="297" actId="47"/>
@@ -2136,510 +2656,6 @@
             <ac:picMk id="2" creationId="{EF7A8530-818B-A921-1AEC-335DFC843405}"/>
           </ac:picMkLst>
         </pc:picChg>
-      </pc:sldChg>
-    </pc:docChg>
-  </pc:docChgLst>
-  <pc:docChgLst>
-    <pc:chgData name="Chuck Kiefriter" userId="c57348f7-b440-4861-a58f-c89f414ea74a" providerId="ADAL" clId="{CEAAE73E-A3C0-4EF3-8264-4F08772B5760}"/>
-    <pc:docChg chg="undo custSel addSld delSld modSld">
-      <pc:chgData name="Chuck Kiefriter" userId="c57348f7-b440-4861-a58f-c89f414ea74a" providerId="ADAL" clId="{CEAAE73E-A3C0-4EF3-8264-4F08772B5760}" dt="2023-03-21T23:02:03.008" v="988" actId="6549"/>
-      <pc:docMkLst>
-        <pc:docMk/>
-      </pc:docMkLst>
-      <pc:sldChg chg="addSp delSp modSp mod">
-        <pc:chgData name="Chuck Kiefriter" userId="c57348f7-b440-4861-a58f-c89f414ea74a" providerId="ADAL" clId="{CEAAE73E-A3C0-4EF3-8264-4F08772B5760}" dt="2023-03-20T00:52:59.383" v="449" actId="1038"/>
-        <pc:sldMkLst>
-          <pc:docMk/>
-          <pc:sldMk cId="3995279466" sldId="256"/>
-        </pc:sldMkLst>
-        <pc:spChg chg="mod">
-          <ac:chgData name="Chuck Kiefriter" userId="c57348f7-b440-4861-a58f-c89f414ea74a" providerId="ADAL" clId="{CEAAE73E-A3C0-4EF3-8264-4F08772B5760}" dt="2023-03-20T00:32:06.566" v="230" actId="14100"/>
-          <ac:spMkLst>
-            <pc:docMk/>
-            <pc:sldMk cId="3995279466" sldId="256"/>
-            <ac:spMk id="3" creationId="{A6B2E4B2-9556-220D-A265-44C9FD951EE6}"/>
-          </ac:spMkLst>
-        </pc:spChg>
-        <pc:spChg chg="add mod">
-          <ac:chgData name="Chuck Kiefriter" userId="c57348f7-b440-4861-a58f-c89f414ea74a" providerId="ADAL" clId="{CEAAE73E-A3C0-4EF3-8264-4F08772B5760}" dt="2023-03-20T00:52:59.383" v="449" actId="1038"/>
-          <ac:spMkLst>
-            <pc:docMk/>
-            <pc:sldMk cId="3995279466" sldId="256"/>
-            <ac:spMk id="4" creationId="{2BADD1C9-CF72-0C69-861B-7E5D509DA5B2}"/>
-          </ac:spMkLst>
-        </pc:spChg>
-        <pc:spChg chg="mod">
-          <ac:chgData name="Chuck Kiefriter" userId="c57348f7-b440-4861-a58f-c89f414ea74a" providerId="ADAL" clId="{CEAAE73E-A3C0-4EF3-8264-4F08772B5760}" dt="2023-03-19T22:41:44.062" v="187" actId="20577"/>
-          <ac:spMkLst>
-            <pc:docMk/>
-            <pc:sldMk cId="3995279466" sldId="256"/>
-            <ac:spMk id="6" creationId="{DE3DBA5A-FA8E-46C6-1402-E5C7632F4CAD}"/>
-          </ac:spMkLst>
-        </pc:spChg>
-        <pc:spChg chg="add mod">
-          <ac:chgData name="Chuck Kiefriter" userId="c57348f7-b440-4861-a58f-c89f414ea74a" providerId="ADAL" clId="{CEAAE73E-A3C0-4EF3-8264-4F08772B5760}" dt="2023-03-20T00:52:59.383" v="449" actId="1038"/>
-          <ac:spMkLst>
-            <pc:docMk/>
-            <pc:sldMk cId="3995279466" sldId="256"/>
-            <ac:spMk id="7" creationId="{4F528AA2-6361-22B4-C232-EF99675F9D72}"/>
-          </ac:spMkLst>
-        </pc:spChg>
-        <pc:spChg chg="add mod">
-          <ac:chgData name="Chuck Kiefriter" userId="c57348f7-b440-4861-a58f-c89f414ea74a" providerId="ADAL" clId="{CEAAE73E-A3C0-4EF3-8264-4F08772B5760}" dt="2023-03-20T00:52:59.383" v="449" actId="1038"/>
-          <ac:spMkLst>
-            <pc:docMk/>
-            <pc:sldMk cId="3995279466" sldId="256"/>
-            <ac:spMk id="9" creationId="{06F995E6-DACC-B060-CDB5-BB562B195537}"/>
-          </ac:spMkLst>
-        </pc:spChg>
-        <pc:spChg chg="mod">
-          <ac:chgData name="Chuck Kiefriter" userId="c57348f7-b440-4861-a58f-c89f414ea74a" providerId="ADAL" clId="{CEAAE73E-A3C0-4EF3-8264-4F08772B5760}" dt="2023-03-20T00:52:45.699" v="401" actId="1035"/>
-          <ac:spMkLst>
-            <pc:docMk/>
-            <pc:sldMk cId="3995279466" sldId="256"/>
-            <ac:spMk id="10" creationId="{EA3D5ED0-1762-C438-DD7C-B32C5582A339}"/>
-          </ac:spMkLst>
-        </pc:spChg>
-        <pc:spChg chg="del">
-          <ac:chgData name="Chuck Kiefriter" userId="c57348f7-b440-4861-a58f-c89f414ea74a" providerId="ADAL" clId="{CEAAE73E-A3C0-4EF3-8264-4F08772B5760}" dt="2023-03-19T22:42:40.760" v="188" actId="478"/>
-          <ac:spMkLst>
-            <pc:docMk/>
-            <pc:sldMk cId="3995279466" sldId="256"/>
-            <ac:spMk id="12" creationId="{18FCF58A-E768-0BFC-8A0B-3881F7F528D8}"/>
-          </ac:spMkLst>
-        </pc:spChg>
-        <pc:graphicFrameChg chg="del">
-          <ac:chgData name="Chuck Kiefriter" userId="c57348f7-b440-4861-a58f-c89f414ea74a" providerId="ADAL" clId="{CEAAE73E-A3C0-4EF3-8264-4F08772B5760}" dt="2023-03-19T22:42:40.760" v="188" actId="478"/>
-          <ac:graphicFrameMkLst>
-            <pc:docMk/>
-            <pc:sldMk cId="3995279466" sldId="256"/>
-            <ac:graphicFrameMk id="13" creationId="{BB1305A0-0446-F701-7436-EA612090B033}"/>
-          </ac:graphicFrameMkLst>
-        </pc:graphicFrameChg>
-      </pc:sldChg>
-      <pc:sldChg chg="modSp mod">
-        <pc:chgData name="Chuck Kiefriter" userId="c57348f7-b440-4861-a58f-c89f414ea74a" providerId="ADAL" clId="{CEAAE73E-A3C0-4EF3-8264-4F08772B5760}" dt="2023-03-19T22:40:49.123" v="181" actId="20577"/>
-        <pc:sldMkLst>
-          <pc:docMk/>
-          <pc:sldMk cId="3194223319" sldId="263"/>
-        </pc:sldMkLst>
-        <pc:spChg chg="mod">
-          <ac:chgData name="Chuck Kiefriter" userId="c57348f7-b440-4861-a58f-c89f414ea74a" providerId="ADAL" clId="{CEAAE73E-A3C0-4EF3-8264-4F08772B5760}" dt="2023-03-19T22:40:49.123" v="181" actId="20577"/>
-          <ac:spMkLst>
-            <pc:docMk/>
-            <pc:sldMk cId="3194223319" sldId="263"/>
-            <ac:spMk id="3" creationId="{23DFC7E9-54DD-38D7-0B9B-D34948D68CF9}"/>
-          </ac:spMkLst>
-        </pc:spChg>
-      </pc:sldChg>
-      <pc:sldChg chg="modSp mod">
-        <pc:chgData name="Chuck Kiefriter" userId="c57348f7-b440-4861-a58f-c89f414ea74a" providerId="ADAL" clId="{CEAAE73E-A3C0-4EF3-8264-4F08772B5760}" dt="2023-03-15T21:04:54.713" v="90" actId="20577"/>
-        <pc:sldMkLst>
-          <pc:docMk/>
-          <pc:sldMk cId="763182894" sldId="264"/>
-        </pc:sldMkLst>
-        <pc:spChg chg="mod">
-          <ac:chgData name="Chuck Kiefriter" userId="c57348f7-b440-4861-a58f-c89f414ea74a" providerId="ADAL" clId="{CEAAE73E-A3C0-4EF3-8264-4F08772B5760}" dt="2023-03-15T21:04:54.713" v="90" actId="20577"/>
-          <ac:spMkLst>
-            <pc:docMk/>
-            <pc:sldMk cId="763182894" sldId="264"/>
-            <ac:spMk id="3" creationId="{23DFC7E9-54DD-38D7-0B9B-D34948D68CF9}"/>
-          </ac:spMkLst>
-        </pc:spChg>
-      </pc:sldChg>
-      <pc:sldChg chg="modSp mod">
-        <pc:chgData name="Chuck Kiefriter" userId="c57348f7-b440-4861-a58f-c89f414ea74a" providerId="ADAL" clId="{CEAAE73E-A3C0-4EF3-8264-4F08772B5760}" dt="2023-03-15T21:05:03.858" v="97" actId="20577"/>
-        <pc:sldMkLst>
-          <pc:docMk/>
-          <pc:sldMk cId="367428708" sldId="265"/>
-        </pc:sldMkLst>
-        <pc:spChg chg="mod">
-          <ac:chgData name="Chuck Kiefriter" userId="c57348f7-b440-4861-a58f-c89f414ea74a" providerId="ADAL" clId="{CEAAE73E-A3C0-4EF3-8264-4F08772B5760}" dt="2023-03-15T21:05:03.858" v="97" actId="20577"/>
-          <ac:spMkLst>
-            <pc:docMk/>
-            <pc:sldMk cId="367428708" sldId="265"/>
-            <ac:spMk id="3" creationId="{23DFC7E9-54DD-38D7-0B9B-D34948D68CF9}"/>
-          </ac:spMkLst>
-        </pc:spChg>
-      </pc:sldChg>
-      <pc:sldChg chg="delSp del mod">
-        <pc:chgData name="Chuck Kiefriter" userId="c57348f7-b440-4861-a58f-c89f414ea74a" providerId="ADAL" clId="{CEAAE73E-A3C0-4EF3-8264-4F08772B5760}" dt="2023-03-20T00:56:01.589" v="451" actId="2696"/>
-        <pc:sldMkLst>
-          <pc:docMk/>
-          <pc:sldMk cId="3472760250" sldId="266"/>
-        </pc:sldMkLst>
-        <pc:picChg chg="del">
-          <ac:chgData name="Chuck Kiefriter" userId="c57348f7-b440-4861-a58f-c89f414ea74a" providerId="ADAL" clId="{CEAAE73E-A3C0-4EF3-8264-4F08772B5760}" dt="2023-03-20T00:55:53.266" v="450" actId="478"/>
-          <ac:picMkLst>
-            <pc:docMk/>
-            <pc:sldMk cId="3472760250" sldId="266"/>
-            <ac:picMk id="12" creationId="{BC86969A-DE0A-FA6D-2E0B-7566AF411A68}"/>
-          </ac:picMkLst>
-        </pc:picChg>
-      </pc:sldChg>
-      <pc:sldChg chg="modSp mod">
-        <pc:chgData name="Chuck Kiefriter" userId="c57348f7-b440-4861-a58f-c89f414ea74a" providerId="ADAL" clId="{CEAAE73E-A3C0-4EF3-8264-4F08772B5760}" dt="2023-03-15T21:05:15.266" v="104" actId="20577"/>
-        <pc:sldMkLst>
-          <pc:docMk/>
-          <pc:sldMk cId="4170465764" sldId="274"/>
-        </pc:sldMkLst>
-        <pc:spChg chg="mod">
-          <ac:chgData name="Chuck Kiefriter" userId="c57348f7-b440-4861-a58f-c89f414ea74a" providerId="ADAL" clId="{CEAAE73E-A3C0-4EF3-8264-4F08772B5760}" dt="2023-03-15T21:05:15.266" v="104" actId="20577"/>
-          <ac:spMkLst>
-            <pc:docMk/>
-            <pc:sldMk cId="4170465764" sldId="274"/>
-            <ac:spMk id="3" creationId="{23DFC7E9-54DD-38D7-0B9B-D34948D68CF9}"/>
-          </ac:spMkLst>
-        </pc:spChg>
-      </pc:sldChg>
-      <pc:sldChg chg="addSp delSp modSp mod">
-        <pc:chgData name="Chuck Kiefriter" userId="c57348f7-b440-4861-a58f-c89f414ea74a" providerId="ADAL" clId="{CEAAE73E-A3C0-4EF3-8264-4F08772B5760}" dt="2023-03-20T02:06:54.913" v="624" actId="207"/>
-        <pc:sldMkLst>
-          <pc:docMk/>
-          <pc:sldMk cId="1513494963" sldId="275"/>
-        </pc:sldMkLst>
-        <pc:spChg chg="add del">
-          <ac:chgData name="Chuck Kiefriter" userId="c57348f7-b440-4861-a58f-c89f414ea74a" providerId="ADAL" clId="{CEAAE73E-A3C0-4EF3-8264-4F08772B5760}" dt="2023-03-20T02:02:35.193" v="575"/>
-          <ac:spMkLst>
-            <pc:docMk/>
-            <pc:sldMk cId="1513494963" sldId="275"/>
-            <ac:spMk id="2" creationId="{BE46888D-AF6D-1D94-6855-0D2BDE1A167F}"/>
-          </ac:spMkLst>
-        </pc:spChg>
-        <pc:spChg chg="mod">
-          <ac:chgData name="Chuck Kiefriter" userId="c57348f7-b440-4861-a58f-c89f414ea74a" providerId="ADAL" clId="{CEAAE73E-A3C0-4EF3-8264-4F08772B5760}" dt="2023-03-20T02:06:54.913" v="624" actId="207"/>
-          <ac:spMkLst>
-            <pc:docMk/>
-            <pc:sldMk cId="1513494963" sldId="275"/>
-            <ac:spMk id="5" creationId="{9DB63145-E59C-9501-8AA5-4E6AC5C0D40F}"/>
-          </ac:spMkLst>
-        </pc:spChg>
-        <pc:spChg chg="mod">
-          <ac:chgData name="Chuck Kiefriter" userId="c57348f7-b440-4861-a58f-c89f414ea74a" providerId="ADAL" clId="{CEAAE73E-A3C0-4EF3-8264-4F08772B5760}" dt="2023-03-20T02:02:54.072" v="598" actId="20577"/>
-          <ac:spMkLst>
-            <pc:docMk/>
-            <pc:sldMk cId="1513494963" sldId="275"/>
-            <ac:spMk id="6" creationId="{59E906CD-110B-9D01-732C-2F21759B0265}"/>
-          </ac:spMkLst>
-        </pc:spChg>
-        <pc:picChg chg="del">
-          <ac:chgData name="Chuck Kiefriter" userId="c57348f7-b440-4861-a58f-c89f414ea74a" providerId="ADAL" clId="{CEAAE73E-A3C0-4EF3-8264-4F08772B5760}" dt="2023-03-20T02:02:29.241" v="573" actId="478"/>
-          <ac:picMkLst>
-            <pc:docMk/>
-            <pc:sldMk cId="1513494963" sldId="275"/>
-            <ac:picMk id="3" creationId="{0E14C303-4A08-9E3D-827C-D6CF995E9C7A}"/>
-          </ac:picMkLst>
-        </pc:picChg>
-      </pc:sldChg>
-      <pc:sldChg chg="addSp delSp modSp mod">
-        <pc:chgData name="Chuck Kiefriter" userId="c57348f7-b440-4861-a58f-c89f414ea74a" providerId="ADAL" clId="{CEAAE73E-A3C0-4EF3-8264-4F08772B5760}" dt="2023-03-20T01:40:14.037" v="572" actId="1035"/>
-        <pc:sldMkLst>
-          <pc:docMk/>
-          <pc:sldMk cId="976671966" sldId="278"/>
-        </pc:sldMkLst>
-        <pc:spChg chg="add mod">
-          <ac:chgData name="Chuck Kiefriter" userId="c57348f7-b440-4861-a58f-c89f414ea74a" providerId="ADAL" clId="{CEAAE73E-A3C0-4EF3-8264-4F08772B5760}" dt="2023-03-20T01:39:58.996" v="563" actId="1076"/>
-          <ac:spMkLst>
-            <pc:docMk/>
-            <pc:sldMk cId="976671966" sldId="278"/>
-            <ac:spMk id="3" creationId="{AECD1743-AE1E-E8A6-57D4-D340FC95D16D}"/>
-          </ac:spMkLst>
-        </pc:spChg>
-        <pc:spChg chg="mod">
-          <ac:chgData name="Chuck Kiefriter" userId="c57348f7-b440-4861-a58f-c89f414ea74a" providerId="ADAL" clId="{CEAAE73E-A3C0-4EF3-8264-4F08772B5760}" dt="2023-03-20T01:39:21.020" v="555" actId="1038"/>
-          <ac:spMkLst>
-            <pc:docMk/>
-            <pc:sldMk cId="976671966" sldId="278"/>
-            <ac:spMk id="4" creationId="{C0B26727-0F97-5A73-B4ED-6BE65E07E5DB}"/>
-          </ac:spMkLst>
-        </pc:spChg>
-        <pc:spChg chg="mod">
-          <ac:chgData name="Chuck Kiefriter" userId="c57348f7-b440-4861-a58f-c89f414ea74a" providerId="ADAL" clId="{CEAAE73E-A3C0-4EF3-8264-4F08772B5760}" dt="2023-03-20T01:06:07.991" v="518" actId="1076"/>
-          <ac:spMkLst>
-            <pc:docMk/>
-            <pc:sldMk cId="976671966" sldId="278"/>
-            <ac:spMk id="6" creationId="{59E906CD-110B-9D01-732C-2F21759B0265}"/>
-          </ac:spMkLst>
-        </pc:spChg>
-        <pc:spChg chg="add mod">
-          <ac:chgData name="Chuck Kiefriter" userId="c57348f7-b440-4861-a58f-c89f414ea74a" providerId="ADAL" clId="{CEAAE73E-A3C0-4EF3-8264-4F08772B5760}" dt="2023-03-20T01:40:14.037" v="572" actId="1035"/>
-          <ac:spMkLst>
-            <pc:docMk/>
-            <pc:sldMk cId="976671966" sldId="278"/>
-            <ac:spMk id="7" creationId="{5DAF20F1-2F34-F140-81DA-E78BF03C81E4}"/>
-          </ac:spMkLst>
-        </pc:spChg>
-        <pc:picChg chg="del">
-          <ac:chgData name="Chuck Kiefriter" userId="c57348f7-b440-4861-a58f-c89f414ea74a" providerId="ADAL" clId="{CEAAE73E-A3C0-4EF3-8264-4F08772B5760}" dt="2023-03-20T00:56:04.277" v="452" actId="478"/>
-          <ac:picMkLst>
-            <pc:docMk/>
-            <pc:sldMk cId="976671966" sldId="278"/>
-            <ac:picMk id="12" creationId="{EDDB08A4-A3C1-182F-A00B-0BE97F3C502C}"/>
-          </ac:picMkLst>
-        </pc:picChg>
-      </pc:sldChg>
-      <pc:sldChg chg="del">
-        <pc:chgData name="Chuck Kiefriter" userId="c57348f7-b440-4861-a58f-c89f414ea74a" providerId="ADAL" clId="{CEAAE73E-A3C0-4EF3-8264-4F08772B5760}" dt="2023-03-20T02:31:42.639" v="625" actId="47"/>
-        <pc:sldMkLst>
-          <pc:docMk/>
-          <pc:sldMk cId="3402929522" sldId="279"/>
-        </pc:sldMkLst>
-      </pc:sldChg>
-      <pc:sldChg chg="modSp mod">
-        <pc:chgData name="Chuck Kiefriter" userId="c57348f7-b440-4861-a58f-c89f414ea74a" providerId="ADAL" clId="{CEAAE73E-A3C0-4EF3-8264-4F08772B5760}" dt="2023-03-15T21:05:31.946" v="118" actId="20577"/>
-        <pc:sldMkLst>
-          <pc:docMk/>
-          <pc:sldMk cId="3395566764" sldId="280"/>
-        </pc:sldMkLst>
-        <pc:spChg chg="mod">
-          <ac:chgData name="Chuck Kiefriter" userId="c57348f7-b440-4861-a58f-c89f414ea74a" providerId="ADAL" clId="{CEAAE73E-A3C0-4EF3-8264-4F08772B5760}" dt="2023-03-15T21:05:31.946" v="118" actId="20577"/>
-          <ac:spMkLst>
-            <pc:docMk/>
-            <pc:sldMk cId="3395566764" sldId="280"/>
-            <ac:spMk id="3" creationId="{23DFC7E9-54DD-38D7-0B9B-D34948D68CF9}"/>
-          </ac:spMkLst>
-        </pc:spChg>
-      </pc:sldChg>
-      <pc:sldChg chg="addSp delSp modSp mod">
-        <pc:chgData name="Chuck Kiefriter" userId="c57348f7-b440-4861-a58f-c89f414ea74a" providerId="ADAL" clId="{CEAAE73E-A3C0-4EF3-8264-4F08772B5760}" dt="2023-03-21T22:58:27.146" v="986" actId="1076"/>
-        <pc:sldMkLst>
-          <pc:docMk/>
-          <pc:sldMk cId="3187156049" sldId="281"/>
-        </pc:sldMkLst>
-        <pc:spChg chg="add del mod">
-          <ac:chgData name="Chuck Kiefriter" userId="c57348f7-b440-4861-a58f-c89f414ea74a" providerId="ADAL" clId="{CEAAE73E-A3C0-4EF3-8264-4F08772B5760}" dt="2023-03-21T22:58:23.744" v="985" actId="478"/>
-          <ac:spMkLst>
-            <pc:docMk/>
-            <pc:sldMk cId="3187156049" sldId="281"/>
-            <ac:spMk id="3" creationId="{B1BCC113-17B8-CD92-4AF4-0B14B609C3EC}"/>
-          </ac:spMkLst>
-        </pc:spChg>
-        <pc:spChg chg="add mod">
-          <ac:chgData name="Chuck Kiefriter" userId="c57348f7-b440-4861-a58f-c89f414ea74a" providerId="ADAL" clId="{CEAAE73E-A3C0-4EF3-8264-4F08772B5760}" dt="2023-03-21T22:53:21.514" v="780" actId="1076"/>
-          <ac:spMkLst>
-            <pc:docMk/>
-            <pc:sldMk cId="3187156049" sldId="281"/>
-            <ac:spMk id="4" creationId="{5F4890C8-248C-DE3F-EFBE-A4EB3744954C}"/>
-          </ac:spMkLst>
-        </pc:spChg>
-        <pc:spChg chg="del mod">
-          <ac:chgData name="Chuck Kiefriter" userId="c57348f7-b440-4861-a58f-c89f414ea74a" providerId="ADAL" clId="{CEAAE73E-A3C0-4EF3-8264-4F08772B5760}" dt="2023-03-21T22:44:00.025" v="764" actId="478"/>
-          <ac:spMkLst>
-            <pc:docMk/>
-            <pc:sldMk cId="3187156049" sldId="281"/>
-            <ac:spMk id="5" creationId="{9DB63145-E59C-9501-8AA5-4E6AC5C0D40F}"/>
-          </ac:spMkLst>
-        </pc:spChg>
-        <pc:spChg chg="mod">
-          <ac:chgData name="Chuck Kiefriter" userId="c57348f7-b440-4861-a58f-c89f414ea74a" providerId="ADAL" clId="{CEAAE73E-A3C0-4EF3-8264-4F08772B5760}" dt="2023-03-20T04:34:19.666" v="743" actId="20577"/>
-          <ac:spMkLst>
-            <pc:docMk/>
-            <pc:sldMk cId="3187156049" sldId="281"/>
-            <ac:spMk id="6" creationId="{59E906CD-110B-9D01-732C-2F21759B0265}"/>
-          </ac:spMkLst>
-        </pc:spChg>
-        <pc:spChg chg="add mod">
-          <ac:chgData name="Chuck Kiefriter" userId="c57348f7-b440-4861-a58f-c89f414ea74a" providerId="ADAL" clId="{CEAAE73E-A3C0-4EF3-8264-4F08772B5760}" dt="2023-03-21T22:54:53.559" v="895" actId="1076"/>
-          <ac:spMkLst>
-            <pc:docMk/>
-            <pc:sldMk cId="3187156049" sldId="281"/>
-            <ac:spMk id="8" creationId="{C70D9D43-254A-0545-002D-C444DCDB15AD}"/>
-          </ac:spMkLst>
-        </pc:spChg>
-        <pc:spChg chg="add del">
-          <ac:chgData name="Chuck Kiefriter" userId="c57348f7-b440-4861-a58f-c89f414ea74a" providerId="ADAL" clId="{CEAAE73E-A3C0-4EF3-8264-4F08772B5760}" dt="2023-03-21T22:52:46.609" v="772"/>
-          <ac:spMkLst>
-            <pc:docMk/>
-            <pc:sldMk cId="3187156049" sldId="281"/>
-            <ac:spMk id="9" creationId="{D91EFD97-7B32-CAFA-DA27-56C69DD1B8B9}"/>
-          </ac:spMkLst>
-        </pc:spChg>
-        <pc:spChg chg="add mod">
-          <ac:chgData name="Chuck Kiefriter" userId="c57348f7-b440-4861-a58f-c89f414ea74a" providerId="ADAL" clId="{CEAAE73E-A3C0-4EF3-8264-4F08772B5760}" dt="2023-03-21T22:57:14.137" v="981" actId="1076"/>
-          <ac:spMkLst>
-            <pc:docMk/>
-            <pc:sldMk cId="3187156049" sldId="281"/>
-            <ac:spMk id="11" creationId="{FBFF1272-6FED-ACD0-CEF8-E11B1DD3B48B}"/>
-          </ac:spMkLst>
-        </pc:spChg>
-        <pc:spChg chg="add mod">
-          <ac:chgData name="Chuck Kiefriter" userId="c57348f7-b440-4861-a58f-c89f414ea74a" providerId="ADAL" clId="{CEAAE73E-A3C0-4EF3-8264-4F08772B5760}" dt="2023-03-21T22:58:27.146" v="986" actId="1076"/>
-          <ac:spMkLst>
-            <pc:docMk/>
-            <pc:sldMk cId="3187156049" sldId="281"/>
-            <ac:spMk id="13" creationId="{54490E19-5FDF-8610-D214-65ABB5B29ACD}"/>
-          </ac:spMkLst>
-        </pc:spChg>
-        <pc:picChg chg="del">
-          <ac:chgData name="Chuck Kiefriter" userId="c57348f7-b440-4861-a58f-c89f414ea74a" providerId="ADAL" clId="{CEAAE73E-A3C0-4EF3-8264-4F08772B5760}" dt="2023-03-20T04:34:21.482" v="744" actId="478"/>
-          <ac:picMkLst>
-            <pc:docMk/>
-            <pc:sldMk cId="3187156049" sldId="281"/>
-            <ac:picMk id="3" creationId="{83E4109A-5F0E-62C4-2DDC-A1744C5BE6B5}"/>
-          </ac:picMkLst>
-        </pc:picChg>
-      </pc:sldChg>
-      <pc:sldChg chg="modSp mod">
-        <pc:chgData name="Chuck Kiefriter" userId="c57348f7-b440-4861-a58f-c89f414ea74a" providerId="ADAL" clId="{CEAAE73E-A3C0-4EF3-8264-4F08772B5760}" dt="2023-03-15T21:06:00.300" v="163" actId="20577"/>
-        <pc:sldMkLst>
-          <pc:docMk/>
-          <pc:sldMk cId="2065140228" sldId="282"/>
-        </pc:sldMkLst>
-        <pc:spChg chg="mod">
-          <ac:chgData name="Chuck Kiefriter" userId="c57348f7-b440-4861-a58f-c89f414ea74a" providerId="ADAL" clId="{CEAAE73E-A3C0-4EF3-8264-4F08772B5760}" dt="2023-03-15T21:06:00.300" v="163" actId="20577"/>
-          <ac:spMkLst>
-            <pc:docMk/>
-            <pc:sldMk cId="2065140228" sldId="282"/>
-            <ac:spMk id="3" creationId="{23DFC7E9-54DD-38D7-0B9B-D34948D68CF9}"/>
-          </ac:spMkLst>
-        </pc:spChg>
-      </pc:sldChg>
-      <pc:sldChg chg="delSp modSp mod">
-        <pc:chgData name="Chuck Kiefriter" userId="c57348f7-b440-4861-a58f-c89f414ea74a" providerId="ADAL" clId="{CEAAE73E-A3C0-4EF3-8264-4F08772B5760}" dt="2023-03-21T23:02:03.008" v="988" actId="6549"/>
-        <pc:sldMkLst>
-          <pc:docMk/>
-          <pc:sldMk cId="1885158462" sldId="283"/>
-        </pc:sldMkLst>
-        <pc:spChg chg="mod">
-          <ac:chgData name="Chuck Kiefriter" userId="c57348f7-b440-4861-a58f-c89f414ea74a" providerId="ADAL" clId="{CEAAE73E-A3C0-4EF3-8264-4F08772B5760}" dt="2023-03-21T23:02:03.008" v="988" actId="6549"/>
-          <ac:spMkLst>
-            <pc:docMk/>
-            <pc:sldMk cId="1885158462" sldId="283"/>
-            <ac:spMk id="5" creationId="{9DB63145-E59C-9501-8AA5-4E6AC5C0D40F}"/>
-          </ac:spMkLst>
-        </pc:spChg>
-        <pc:spChg chg="mod">
-          <ac:chgData name="Chuck Kiefriter" userId="c57348f7-b440-4861-a58f-c89f414ea74a" providerId="ADAL" clId="{CEAAE73E-A3C0-4EF3-8264-4F08772B5760}" dt="2023-03-20T02:33:34.475" v="658" actId="20577"/>
-          <ac:spMkLst>
-            <pc:docMk/>
-            <pc:sldMk cId="1885158462" sldId="283"/>
-            <ac:spMk id="6" creationId="{59E906CD-110B-9D01-732C-2F21759B0265}"/>
-          </ac:spMkLst>
-        </pc:spChg>
-        <pc:spChg chg="del">
-          <ac:chgData name="Chuck Kiefriter" userId="c57348f7-b440-4861-a58f-c89f414ea74a" providerId="ADAL" clId="{CEAAE73E-A3C0-4EF3-8264-4F08772B5760}" dt="2023-03-20T02:33:47.335" v="661" actId="478"/>
-          <ac:spMkLst>
-            <pc:docMk/>
-            <pc:sldMk cId="1885158462" sldId="283"/>
-            <ac:spMk id="8" creationId="{ECD506A8-B7B8-3E79-FA2D-BD62C204B827}"/>
-          </ac:spMkLst>
-        </pc:spChg>
-        <pc:picChg chg="del">
-          <ac:chgData name="Chuck Kiefriter" userId="c57348f7-b440-4861-a58f-c89f414ea74a" providerId="ADAL" clId="{CEAAE73E-A3C0-4EF3-8264-4F08772B5760}" dt="2023-03-20T02:33:38.052" v="659" actId="478"/>
-          <ac:picMkLst>
-            <pc:docMk/>
-            <pc:sldMk cId="1885158462" sldId="283"/>
-            <ac:picMk id="4" creationId="{7C9F3104-C66F-0189-6D64-A0BDCF1B495F}"/>
-          </ac:picMkLst>
-        </pc:picChg>
-      </pc:sldChg>
-      <pc:sldChg chg="del">
-        <pc:chgData name="Chuck Kiefriter" userId="c57348f7-b440-4861-a58f-c89f414ea74a" providerId="ADAL" clId="{CEAAE73E-A3C0-4EF3-8264-4F08772B5760}" dt="2023-03-20T04:03:18.428" v="665" actId="47"/>
-        <pc:sldMkLst>
-          <pc:docMk/>
-          <pc:sldMk cId="356231122" sldId="284"/>
-        </pc:sldMkLst>
-      </pc:sldChg>
-      <pc:sldChg chg="addSp modSp add mod">
-        <pc:chgData name="Chuck Kiefriter" userId="c57348f7-b440-4861-a58f-c89f414ea74a" providerId="ADAL" clId="{CEAAE73E-A3C0-4EF3-8264-4F08772B5760}" dt="2023-03-20T00:39:44.108" v="365" actId="14100"/>
-        <pc:sldMkLst>
-          <pc:docMk/>
-          <pc:sldMk cId="460794980" sldId="285"/>
-        </pc:sldMkLst>
-        <pc:spChg chg="add mod">
-          <ac:chgData name="Chuck Kiefriter" userId="c57348f7-b440-4861-a58f-c89f414ea74a" providerId="ADAL" clId="{CEAAE73E-A3C0-4EF3-8264-4F08772B5760}" dt="2023-03-20T00:37:53.726" v="352" actId="1076"/>
-          <ac:spMkLst>
-            <pc:docMk/>
-            <pc:sldMk cId="460794980" sldId="285"/>
-            <ac:spMk id="4" creationId="{0A9C3E86-2548-ECB5-8430-3E2B6C004107}"/>
-          </ac:spMkLst>
-        </pc:spChg>
-        <pc:spChg chg="mod">
-          <ac:chgData name="Chuck Kiefriter" userId="c57348f7-b440-4861-a58f-c89f414ea74a" providerId="ADAL" clId="{CEAAE73E-A3C0-4EF3-8264-4F08772B5760}" dt="2023-03-20T00:28:09.677" v="229" actId="20577"/>
-          <ac:spMkLst>
-            <pc:docMk/>
-            <pc:sldMk cId="460794980" sldId="285"/>
-            <ac:spMk id="6" creationId="{DE3DBA5A-FA8E-46C6-1402-E5C7632F4CAD}"/>
-          </ac:spMkLst>
-        </pc:spChg>
-        <pc:spChg chg="add mod">
-          <ac:chgData name="Chuck Kiefriter" userId="c57348f7-b440-4861-a58f-c89f414ea74a" providerId="ADAL" clId="{CEAAE73E-A3C0-4EF3-8264-4F08772B5760}" dt="2023-03-20T00:37:53.726" v="352" actId="1076"/>
-          <ac:spMkLst>
-            <pc:docMk/>
-            <pc:sldMk cId="460794980" sldId="285"/>
-            <ac:spMk id="7" creationId="{6078F001-09B3-95A6-FBBF-049E24348AA3}"/>
-          </ac:spMkLst>
-        </pc:spChg>
-        <pc:spChg chg="mod">
-          <ac:chgData name="Chuck Kiefriter" userId="c57348f7-b440-4861-a58f-c89f414ea74a" providerId="ADAL" clId="{CEAAE73E-A3C0-4EF3-8264-4F08772B5760}" dt="2023-03-20T00:36:05.988" v="344" actId="207"/>
-          <ac:spMkLst>
-            <pc:docMk/>
-            <pc:sldMk cId="460794980" sldId="285"/>
-            <ac:spMk id="10" creationId="{EA3D5ED0-1762-C438-DD7C-B32C5582A339}"/>
-          </ac:spMkLst>
-        </pc:spChg>
-        <pc:picChg chg="add mod">
-          <ac:chgData name="Chuck Kiefriter" userId="c57348f7-b440-4861-a58f-c89f414ea74a" providerId="ADAL" clId="{CEAAE73E-A3C0-4EF3-8264-4F08772B5760}" dt="2023-03-20T00:39:44.108" v="365" actId="14100"/>
-          <ac:picMkLst>
-            <pc:docMk/>
-            <pc:sldMk cId="460794980" sldId="285"/>
-            <ac:picMk id="9" creationId="{951D6567-EE71-636D-5131-1733E9CA3EE1}"/>
-          </ac:picMkLst>
-        </pc:picChg>
-        <pc:picChg chg="add mod">
-          <ac:chgData name="Chuck Kiefriter" userId="c57348f7-b440-4861-a58f-c89f414ea74a" providerId="ADAL" clId="{CEAAE73E-A3C0-4EF3-8264-4F08772B5760}" dt="2023-03-20T00:39:41.309" v="364" actId="1076"/>
-          <ac:picMkLst>
-            <pc:docMk/>
-            <pc:sldMk cId="460794980" sldId="285"/>
-            <ac:picMk id="12" creationId="{75DBF1A8-6B47-A236-0E35-BCD7AC30E1AC}"/>
-          </ac:picMkLst>
-        </pc:picChg>
-      </pc:sldChg>
-      <pc:sldChg chg="modSp add mod">
-        <pc:chgData name="Chuck Kiefriter" userId="c57348f7-b440-4861-a58f-c89f414ea74a" providerId="ADAL" clId="{CEAAE73E-A3C0-4EF3-8264-4F08772B5760}" dt="2023-03-20T04:03:46.401" v="693" actId="1076"/>
-        <pc:sldMkLst>
-          <pc:docMk/>
-          <pc:sldMk cId="1155090792" sldId="286"/>
-        </pc:sldMkLst>
-        <pc:spChg chg="mod">
-          <ac:chgData name="Chuck Kiefriter" userId="c57348f7-b440-4861-a58f-c89f414ea74a" providerId="ADAL" clId="{CEAAE73E-A3C0-4EF3-8264-4F08772B5760}" dt="2023-03-20T04:03:46.401" v="693" actId="1076"/>
-          <ac:spMkLst>
-            <pc:docMk/>
-            <pc:sldMk cId="1155090792" sldId="286"/>
-            <ac:spMk id="3" creationId="{23DFC7E9-54DD-38D7-0B9B-D34948D68CF9}"/>
-          </ac:spMkLst>
-        </pc:spChg>
-      </pc:sldChg>
-      <pc:sldChg chg="addSp modSp add mod">
-        <pc:chgData name="Chuck Kiefriter" userId="c57348f7-b440-4861-a58f-c89f414ea74a" providerId="ADAL" clId="{CEAAE73E-A3C0-4EF3-8264-4F08772B5760}" dt="2023-03-20T04:06:13.253" v="729" actId="1076"/>
-        <pc:sldMkLst>
-          <pc:docMk/>
-          <pc:sldMk cId="424094208" sldId="287"/>
-        </pc:sldMkLst>
-        <pc:spChg chg="add mod">
-          <ac:chgData name="Chuck Kiefriter" userId="c57348f7-b440-4861-a58f-c89f414ea74a" providerId="ADAL" clId="{CEAAE73E-A3C0-4EF3-8264-4F08772B5760}" dt="2023-03-20T04:06:13.253" v="729" actId="1076"/>
-          <ac:spMkLst>
-            <pc:docMk/>
-            <pc:sldMk cId="424094208" sldId="287"/>
-            <ac:spMk id="3" creationId="{FF9F9172-C924-1C79-FA1B-3659223D7D26}"/>
-          </ac:spMkLst>
-        </pc:spChg>
-        <pc:spChg chg="mod">
-          <ac:chgData name="Chuck Kiefriter" userId="c57348f7-b440-4861-a58f-c89f414ea74a" providerId="ADAL" clId="{CEAAE73E-A3C0-4EF3-8264-4F08772B5760}" dt="2023-03-20T04:04:56.478" v="721" actId="6549"/>
-          <ac:spMkLst>
-            <pc:docMk/>
-            <pc:sldMk cId="424094208" sldId="287"/>
-            <ac:spMk id="5" creationId="{9DB63145-E59C-9501-8AA5-4E6AC5C0D40F}"/>
-          </ac:spMkLst>
-        </pc:spChg>
-        <pc:spChg chg="mod">
-          <ac:chgData name="Chuck Kiefriter" userId="c57348f7-b440-4861-a58f-c89f414ea74a" providerId="ADAL" clId="{CEAAE73E-A3C0-4EF3-8264-4F08772B5760}" dt="2023-03-20T04:03:56.659" v="717" actId="20577"/>
-          <ac:spMkLst>
-            <pc:docMk/>
-            <pc:sldMk cId="424094208" sldId="287"/>
-            <ac:spMk id="6" creationId="{59E906CD-110B-9D01-732C-2F21759B0265}"/>
-          </ac:spMkLst>
-        </pc:spChg>
       </pc:sldChg>
     </pc:docChg>
   </pc:docChgLst>
@@ -2793,7 +2809,7 @@
           <a:p>
             <a:fld id="{33D569A9-A222-4DCC-AF28-BB813B4F2ABB}" type="datetimeFigureOut">
               <a:rPr lang="en-US" smtClean="0"/>
-              <a:t>4/9/2023</a:t>
+              <a:t>11/7/2024</a:t>
             </a:fld>
             <a:endParaRPr lang="en-US"/>
           </a:p>
@@ -3081,7 +3097,7 @@
           <a:p>
             <a:fld id="{33D569A9-A222-4DCC-AF28-BB813B4F2ABB}" type="datetimeFigureOut">
               <a:rPr lang="en-US" smtClean="0"/>
-              <a:t>4/9/2023</a:t>
+              <a:t>11/7/2024</a:t>
             </a:fld>
             <a:endParaRPr lang="en-US"/>
           </a:p>
@@ -3279,7 +3295,7 @@
           <a:p>
             <a:fld id="{33D569A9-A222-4DCC-AF28-BB813B4F2ABB}" type="datetimeFigureOut">
               <a:rPr lang="en-US" smtClean="0"/>
-              <a:t>4/9/2023</a:t>
+              <a:t>11/7/2024</a:t>
             </a:fld>
             <a:endParaRPr lang="en-US"/>
           </a:p>
@@ -3487,7 +3503,7 @@
           <a:p>
             <a:fld id="{33D569A9-A222-4DCC-AF28-BB813B4F2ABB}" type="datetimeFigureOut">
               <a:rPr lang="en-US" smtClean="0"/>
-              <a:t>4/9/2023</a:t>
+              <a:t>11/7/2024</a:t>
             </a:fld>
             <a:endParaRPr lang="en-US"/>
           </a:p>
@@ -3685,7 +3701,7 @@
           <a:p>
             <a:fld id="{33D569A9-A222-4DCC-AF28-BB813B4F2ABB}" type="datetimeFigureOut">
               <a:rPr lang="en-US" smtClean="0"/>
-              <a:t>4/9/2023</a:t>
+              <a:t>11/7/2024</a:t>
             </a:fld>
             <a:endParaRPr lang="en-US"/>
           </a:p>
@@ -3960,7 +3976,7 @@
           <a:p>
             <a:fld id="{33D569A9-A222-4DCC-AF28-BB813B4F2ABB}" type="datetimeFigureOut">
               <a:rPr lang="en-US" smtClean="0"/>
-              <a:t>4/9/2023</a:t>
+              <a:t>11/7/2024</a:t>
             </a:fld>
             <a:endParaRPr lang="en-US"/>
           </a:p>
@@ -4225,7 +4241,7 @@
           <a:p>
             <a:fld id="{33D569A9-A222-4DCC-AF28-BB813B4F2ABB}" type="datetimeFigureOut">
               <a:rPr lang="en-US" smtClean="0"/>
-              <a:t>4/9/2023</a:t>
+              <a:t>11/7/2024</a:t>
             </a:fld>
             <a:endParaRPr lang="en-US"/>
           </a:p>
@@ -4637,7 +4653,7 @@
           <a:p>
             <a:fld id="{33D569A9-A222-4DCC-AF28-BB813B4F2ABB}" type="datetimeFigureOut">
               <a:rPr lang="en-US" smtClean="0"/>
-              <a:t>4/9/2023</a:t>
+              <a:t>11/7/2024</a:t>
             </a:fld>
             <a:endParaRPr lang="en-US"/>
           </a:p>
@@ -4778,7 +4794,7 @@
           <a:p>
             <a:fld id="{33D569A9-A222-4DCC-AF28-BB813B4F2ABB}" type="datetimeFigureOut">
               <a:rPr lang="en-US" smtClean="0"/>
-              <a:t>4/9/2023</a:t>
+              <a:t>11/7/2024</a:t>
             </a:fld>
             <a:endParaRPr lang="en-US"/>
           </a:p>
@@ -4891,7 +4907,7 @@
           <a:p>
             <a:fld id="{33D569A9-A222-4DCC-AF28-BB813B4F2ABB}" type="datetimeFigureOut">
               <a:rPr lang="en-US" smtClean="0"/>
-              <a:t>4/9/2023</a:t>
+              <a:t>11/7/2024</a:t>
             </a:fld>
             <a:endParaRPr lang="en-US"/>
           </a:p>
@@ -5237,7 +5253,7 @@
           <a:p>
             <a:fld id="{33D569A9-A222-4DCC-AF28-BB813B4F2ABB}" type="datetimeFigureOut">
               <a:rPr lang="en-US" smtClean="0"/>
-              <a:t>4/9/2023</a:t>
+              <a:t>11/7/2024</a:t>
             </a:fld>
             <a:endParaRPr lang="en-US"/>
           </a:p>
@@ -5478,7 +5494,7 @@
           <a:p>
             <a:fld id="{33D569A9-A222-4DCC-AF28-BB813B4F2ABB}" type="datetimeFigureOut">
               <a:rPr lang="en-US" smtClean="0"/>
-              <a:t>4/9/2023</a:t>
+              <a:t>11/7/2024</a:t>
             </a:fld>
             <a:endParaRPr lang="en-US"/>
           </a:p>
@@ -6064,7 +6080,7 @@
               <a:defRPr/>
             </a:pPr>
             <a:r>
-              <a:rPr lang="en-US" sz="2400" dirty="0">
+              <a:rPr lang="en-US" sz="2400">
                 <a:solidFill>
                   <a:prstClr val="white">
                     <a:lumMod val="75000"/>
@@ -6072,8 +6088,16 @@
                 </a:solidFill>
                 <a:latin typeface="Open Sans" panose="020B0606030504020204" pitchFamily="34" charset="0"/>
               </a:rPr>
-              <a:t>Unit Tests</a:t>
-            </a:r>
+              <a:t>Unit Testing / Mocking</a:t>
+            </a:r>
+            <a:endParaRPr lang="en-US" sz="2400" dirty="0">
+              <a:solidFill>
+                <a:prstClr val="white">
+                  <a:lumMod val="75000"/>
+                </a:prstClr>
+              </a:solidFill>
+              <a:latin typeface="Open Sans" panose="020B0606030504020204" pitchFamily="34" charset="0"/>
+            </a:endParaRPr>
           </a:p>
           <a:p>
             <a:pPr marL="571500" marR="0" lvl="0" indent="-571500" algn="l" defTabSz="914400" rtl="0" eaLnBrk="1" fontAlgn="auto" latinLnBrk="0" hangingPunct="1">
